--- a/Vuforia_Unity_MetaAIVI_Intro_Presentation.pptx
+++ b/Vuforia_Unity_MetaAIVI_Intro_Presentation.pptx
@@ -4,6 +4,12 @@
   <p:sldMasterIdLst>
     <p:sldMasterId id="2147483660" r:id="rId1"/>
   </p:sldMasterIdLst>
+  <p:notesMasterIdLst>
+    <p:notesMasterId r:id="rId15"/>
+  </p:notesMasterIdLst>
+  <p:handoutMasterIdLst>
+    <p:handoutMasterId r:id="rId16"/>
+  </p:handoutMasterIdLst>
   <p:sldIdLst>
     <p:sldId id="256" r:id="rId2"/>
     <p:sldId id="257" r:id="rId3"/>
@@ -14,9 +20,10 @@
     <p:sldId id="262" r:id="rId8"/>
     <p:sldId id="263" r:id="rId9"/>
     <p:sldId id="264" r:id="rId10"/>
-    <p:sldId id="265" r:id="rId11"/>
-    <p:sldId id="266" r:id="rId12"/>
-    <p:sldId id="267" r:id="rId13"/>
+    <p:sldId id="268" r:id="rId11"/>
+    <p:sldId id="265" r:id="rId12"/>
+    <p:sldId id="266" r:id="rId13"/>
+    <p:sldId id="267" r:id="rId14"/>
   </p:sldIdLst>
   <p:sldSz cx="9144000" cy="6858000" type="screen4x3"/>
   <p:notesSz cx="6858000" cy="9144000"/>
@@ -134,6 +141,547 @@
 </p:presentation>
 </file>
 
+<file path=ppt/handoutMasters/handoutMaster1.xml><?xml version="1.0" encoding="utf-8"?>
+<p:handoutMaster xmlns:a="http://schemas.openxmlformats.org/drawingml/2006/main" xmlns:r="http://schemas.openxmlformats.org/officeDocument/2006/relationships" xmlns:p="http://schemas.openxmlformats.org/presentationml/2006/main">
+  <p:cSld>
+    <p:bg>
+      <p:bgRef idx="1001">
+        <a:schemeClr val="bg1"/>
+      </p:bgRef>
+    </p:bg>
+    <p:spTree>
+      <p:nvGrpSpPr>
+        <p:cNvPr id="1" name=""/>
+        <p:cNvGrpSpPr/>
+        <p:nvPr/>
+      </p:nvGrpSpPr>
+      <p:grpSpPr>
+        <a:xfrm>
+          <a:off x="0" y="0"/>
+          <a:ext cx="0" cy="0"/>
+          <a:chOff x="0" y="0"/>
+          <a:chExt cx="0" cy="0"/>
+        </a:xfrm>
+      </p:grpSpPr>
+      <p:sp>
+        <p:nvSpPr>
+          <p:cNvPr id="2" name="Header Placeholder 1">
+            <a:extLst>
+              <a:ext uri="{FF2B5EF4-FFF2-40B4-BE49-F238E27FC236}">
+                <a16:creationId xmlns:a16="http://schemas.microsoft.com/office/drawing/2014/main" id="{25D7AC32-CB32-8F43-8B4D-3485CE4B93ED}"/>
+              </a:ext>
+            </a:extLst>
+          </p:cNvPr>
+          <p:cNvSpPr>
+            <a:spLocks noGrp="1"/>
+          </p:cNvSpPr>
+          <p:nvPr>
+            <p:ph type="hdr" sz="quarter"/>
+          </p:nvPr>
+        </p:nvSpPr>
+        <p:spPr>
+          <a:xfrm>
+            <a:off x="0" y="0"/>
+            <a:ext cx="2971800" cy="458788"/>
+          </a:xfrm>
+          <a:prstGeom prst="rect">
+            <a:avLst/>
+          </a:prstGeom>
+        </p:spPr>
+        <p:txBody>
+          <a:bodyPr vert="horz" lIns="91440" tIns="45720" rIns="91440" bIns="45720" rtlCol="0"/>
+          <a:lstStyle>
+            <a:lvl1pPr algn="l">
+              <a:defRPr sz="1200"/>
+            </a:lvl1pPr>
+          </a:lstStyle>
+          <a:p>
+            <a:endParaRPr lang="en-VN"/>
+          </a:p>
+        </p:txBody>
+      </p:sp>
+      <p:sp>
+        <p:nvSpPr>
+          <p:cNvPr id="3" name="Date Placeholder 2">
+            <a:extLst>
+              <a:ext uri="{FF2B5EF4-FFF2-40B4-BE49-F238E27FC236}">
+                <a16:creationId xmlns:a16="http://schemas.microsoft.com/office/drawing/2014/main" id="{2DC1121F-C81D-ED47-AF82-C1BCD2EB7031}"/>
+              </a:ext>
+            </a:extLst>
+          </p:cNvPr>
+          <p:cNvSpPr>
+            <a:spLocks noGrp="1"/>
+          </p:cNvSpPr>
+          <p:nvPr>
+            <p:ph type="dt" sz="quarter" idx="1"/>
+          </p:nvPr>
+        </p:nvSpPr>
+        <p:spPr>
+          <a:xfrm>
+            <a:off x="3884613" y="0"/>
+            <a:ext cx="2971800" cy="458788"/>
+          </a:xfrm>
+          <a:prstGeom prst="rect">
+            <a:avLst/>
+          </a:prstGeom>
+        </p:spPr>
+        <p:txBody>
+          <a:bodyPr vert="horz" lIns="91440" tIns="45720" rIns="91440" bIns="45720" rtlCol="0"/>
+          <a:lstStyle>
+            <a:lvl1pPr algn="r">
+              <a:defRPr sz="1200"/>
+            </a:lvl1pPr>
+          </a:lstStyle>
+          <a:p>
+            <a:fld id="{A8CCDFFA-6389-7645-9E28-C1B2E64134F8}" type="datetimeFigureOut">
+              <a:rPr lang="en-VN" smtClean="0"/>
+              <a:t>3/6/25</a:t>
+            </a:fld>
+            <a:endParaRPr lang="en-VN"/>
+          </a:p>
+        </p:txBody>
+      </p:sp>
+      <p:sp>
+        <p:nvSpPr>
+          <p:cNvPr id="4" name="Footer Placeholder 3">
+            <a:extLst>
+              <a:ext uri="{FF2B5EF4-FFF2-40B4-BE49-F238E27FC236}">
+                <a16:creationId xmlns:a16="http://schemas.microsoft.com/office/drawing/2014/main" id="{EE50DFF6-E80B-294A-8E62-B2F9D763186F}"/>
+              </a:ext>
+            </a:extLst>
+          </p:cNvPr>
+          <p:cNvSpPr>
+            <a:spLocks noGrp="1"/>
+          </p:cNvSpPr>
+          <p:nvPr>
+            <p:ph type="ftr" sz="quarter" idx="2"/>
+          </p:nvPr>
+        </p:nvSpPr>
+        <p:spPr>
+          <a:xfrm>
+            <a:off x="0" y="8685213"/>
+            <a:ext cx="2971800" cy="458787"/>
+          </a:xfrm>
+          <a:prstGeom prst="rect">
+            <a:avLst/>
+          </a:prstGeom>
+        </p:spPr>
+        <p:txBody>
+          <a:bodyPr vert="horz" lIns="91440" tIns="45720" rIns="91440" bIns="45720" rtlCol="0" anchor="b"/>
+          <a:lstStyle>
+            <a:lvl1pPr algn="l">
+              <a:defRPr sz="1200"/>
+            </a:lvl1pPr>
+          </a:lstStyle>
+          <a:p>
+            <a:endParaRPr lang="en-VN"/>
+          </a:p>
+        </p:txBody>
+      </p:sp>
+      <p:sp>
+        <p:nvSpPr>
+          <p:cNvPr id="5" name="Slide Number Placeholder 4">
+            <a:extLst>
+              <a:ext uri="{FF2B5EF4-FFF2-40B4-BE49-F238E27FC236}">
+                <a16:creationId xmlns:a16="http://schemas.microsoft.com/office/drawing/2014/main" id="{32C021A3-88D8-CA44-B861-AC9C17FE24B5}"/>
+              </a:ext>
+            </a:extLst>
+          </p:cNvPr>
+          <p:cNvSpPr>
+            <a:spLocks noGrp="1"/>
+          </p:cNvSpPr>
+          <p:nvPr>
+            <p:ph type="sldNum" sz="quarter" idx="3"/>
+          </p:nvPr>
+        </p:nvSpPr>
+        <p:spPr>
+          <a:xfrm>
+            <a:off x="3884613" y="8685213"/>
+            <a:ext cx="2971800" cy="458787"/>
+          </a:xfrm>
+          <a:prstGeom prst="rect">
+            <a:avLst/>
+          </a:prstGeom>
+        </p:spPr>
+        <p:txBody>
+          <a:bodyPr vert="horz" lIns="91440" tIns="45720" rIns="91440" bIns="45720" rtlCol="0" anchor="b"/>
+          <a:lstStyle>
+            <a:lvl1pPr algn="r">
+              <a:defRPr sz="1200"/>
+            </a:lvl1pPr>
+          </a:lstStyle>
+          <a:p>
+            <a:fld id="{D8D432F6-B760-5743-82C9-51FC97F53351}" type="slidenum">
+              <a:rPr lang="en-VN" smtClean="0"/>
+              <a:t>‹#›</a:t>
+            </a:fld>
+            <a:endParaRPr lang="en-VN"/>
+          </a:p>
+        </p:txBody>
+      </p:sp>
+    </p:spTree>
+    <p:extLst>
+      <p:ext uri="{BB962C8B-B14F-4D97-AF65-F5344CB8AC3E}">
+        <p14:creationId xmlns:p14="http://schemas.microsoft.com/office/powerpoint/2010/main" val="1742744475"/>
+      </p:ext>
+    </p:extLst>
+  </p:cSld>
+  <p:clrMap bg1="lt1" tx1="dk1" bg2="lt2" tx2="dk2" accent1="accent1" accent2="accent2" accent3="accent3" accent4="accent4" accent5="accent5" accent6="accent6" hlink="hlink" folHlink="folHlink"/>
+  <p:hf hdr="0" ftr="0" dt="0"/>
+</p:handoutMaster>
+</file>
+
+<file path=ppt/notesMasters/notesMaster1.xml><?xml version="1.0" encoding="utf-8"?>
+<p:notesMaster xmlns:a="http://schemas.openxmlformats.org/drawingml/2006/main" xmlns:r="http://schemas.openxmlformats.org/officeDocument/2006/relationships" xmlns:p="http://schemas.openxmlformats.org/presentationml/2006/main">
+  <p:cSld>
+    <p:bg>
+      <p:bgRef idx="1001">
+        <a:schemeClr val="bg1"/>
+      </p:bgRef>
+    </p:bg>
+    <p:spTree>
+      <p:nvGrpSpPr>
+        <p:cNvPr id="1" name=""/>
+        <p:cNvGrpSpPr/>
+        <p:nvPr/>
+      </p:nvGrpSpPr>
+      <p:grpSpPr>
+        <a:xfrm>
+          <a:off x="0" y="0"/>
+          <a:ext cx="0" cy="0"/>
+          <a:chOff x="0" y="0"/>
+          <a:chExt cx="0" cy="0"/>
+        </a:xfrm>
+      </p:grpSpPr>
+      <p:sp>
+        <p:nvSpPr>
+          <p:cNvPr id="2" name="Header Placeholder 1"/>
+          <p:cNvSpPr>
+            <a:spLocks noGrp="1"/>
+          </p:cNvSpPr>
+          <p:nvPr>
+            <p:ph type="hdr" sz="quarter"/>
+          </p:nvPr>
+        </p:nvSpPr>
+        <p:spPr>
+          <a:xfrm>
+            <a:off x="0" y="0"/>
+            <a:ext cx="2971800" cy="458788"/>
+          </a:xfrm>
+          <a:prstGeom prst="rect">
+            <a:avLst/>
+          </a:prstGeom>
+        </p:spPr>
+        <p:txBody>
+          <a:bodyPr vert="horz" lIns="91440" tIns="45720" rIns="91440" bIns="45720" rtlCol="0"/>
+          <a:lstStyle>
+            <a:lvl1pPr algn="l">
+              <a:defRPr sz="1200"/>
+            </a:lvl1pPr>
+          </a:lstStyle>
+          <a:p>
+            <a:endParaRPr lang="en-VN"/>
+          </a:p>
+        </p:txBody>
+      </p:sp>
+      <p:sp>
+        <p:nvSpPr>
+          <p:cNvPr id="3" name="Date Placeholder 2"/>
+          <p:cNvSpPr>
+            <a:spLocks noGrp="1"/>
+          </p:cNvSpPr>
+          <p:nvPr>
+            <p:ph type="dt" idx="1"/>
+          </p:nvPr>
+        </p:nvSpPr>
+        <p:spPr>
+          <a:xfrm>
+            <a:off x="3884613" y="0"/>
+            <a:ext cx="2971800" cy="458788"/>
+          </a:xfrm>
+          <a:prstGeom prst="rect">
+            <a:avLst/>
+          </a:prstGeom>
+        </p:spPr>
+        <p:txBody>
+          <a:bodyPr vert="horz" lIns="91440" tIns="45720" rIns="91440" bIns="45720" rtlCol="0"/>
+          <a:lstStyle>
+            <a:lvl1pPr algn="r">
+              <a:defRPr sz="1200"/>
+            </a:lvl1pPr>
+          </a:lstStyle>
+          <a:p>
+            <a:fld id="{9F643D6F-01E4-F84E-8680-00E87DE1A254}" type="datetimeFigureOut">
+              <a:rPr lang="en-VN" smtClean="0"/>
+              <a:t>3/6/25</a:t>
+            </a:fld>
+            <a:endParaRPr lang="en-VN"/>
+          </a:p>
+        </p:txBody>
+      </p:sp>
+      <p:sp>
+        <p:nvSpPr>
+          <p:cNvPr id="4" name="Slide Image Placeholder 3"/>
+          <p:cNvSpPr>
+            <a:spLocks noGrp="1" noRot="1" noChangeAspect="1"/>
+          </p:cNvSpPr>
+          <p:nvPr>
+            <p:ph type="sldImg" idx="2"/>
+          </p:nvPr>
+        </p:nvSpPr>
+        <p:spPr>
+          <a:xfrm>
+            <a:off x="1371600" y="1143000"/>
+            <a:ext cx="4114800" cy="3086100"/>
+          </a:xfrm>
+          <a:prstGeom prst="rect">
+            <a:avLst/>
+          </a:prstGeom>
+          <a:noFill/>
+          <a:ln w="12700">
+            <a:solidFill>
+              <a:prstClr val="black"/>
+            </a:solidFill>
+          </a:ln>
+        </p:spPr>
+        <p:txBody>
+          <a:bodyPr vert="horz" lIns="91440" tIns="45720" rIns="91440" bIns="45720" rtlCol="0" anchor="ctr"/>
+          <a:lstStyle/>
+          <a:p>
+            <a:endParaRPr lang="en-VN"/>
+          </a:p>
+        </p:txBody>
+      </p:sp>
+      <p:sp>
+        <p:nvSpPr>
+          <p:cNvPr id="5" name="Notes Placeholder 4"/>
+          <p:cNvSpPr>
+            <a:spLocks noGrp="1"/>
+          </p:cNvSpPr>
+          <p:nvPr>
+            <p:ph type="body" sz="quarter" idx="3"/>
+          </p:nvPr>
+        </p:nvSpPr>
+        <p:spPr>
+          <a:xfrm>
+            <a:off x="685800" y="4400550"/>
+            <a:ext cx="5486400" cy="3600450"/>
+          </a:xfrm>
+          <a:prstGeom prst="rect">
+            <a:avLst/>
+          </a:prstGeom>
+        </p:spPr>
+        <p:txBody>
+          <a:bodyPr vert="horz" lIns="91440" tIns="45720" rIns="91440" bIns="45720" rtlCol="0"/>
+          <a:lstStyle/>
+          <a:p>
+            <a:pPr lvl="0"/>
+            <a:r>
+              <a:rPr lang="en-US"/>
+              <a:t>Click to edit Master text styles</a:t>
+            </a:r>
+          </a:p>
+          <a:p>
+            <a:pPr lvl="1"/>
+            <a:r>
+              <a:rPr lang="en-US"/>
+              <a:t>Second level</a:t>
+            </a:r>
+          </a:p>
+          <a:p>
+            <a:pPr lvl="2"/>
+            <a:r>
+              <a:rPr lang="en-US"/>
+              <a:t>Third level</a:t>
+            </a:r>
+          </a:p>
+          <a:p>
+            <a:pPr lvl="3"/>
+            <a:r>
+              <a:rPr lang="en-US"/>
+              <a:t>Fourth level</a:t>
+            </a:r>
+          </a:p>
+          <a:p>
+            <a:pPr lvl="4"/>
+            <a:r>
+              <a:rPr lang="en-US"/>
+              <a:t>Fifth level</a:t>
+            </a:r>
+            <a:endParaRPr lang="en-VN"/>
+          </a:p>
+        </p:txBody>
+      </p:sp>
+      <p:sp>
+        <p:nvSpPr>
+          <p:cNvPr id="6" name="Footer Placeholder 5"/>
+          <p:cNvSpPr>
+            <a:spLocks noGrp="1"/>
+          </p:cNvSpPr>
+          <p:nvPr>
+            <p:ph type="ftr" sz="quarter" idx="4"/>
+          </p:nvPr>
+        </p:nvSpPr>
+        <p:spPr>
+          <a:xfrm>
+            <a:off x="0" y="8685213"/>
+            <a:ext cx="2971800" cy="458787"/>
+          </a:xfrm>
+          <a:prstGeom prst="rect">
+            <a:avLst/>
+          </a:prstGeom>
+        </p:spPr>
+        <p:txBody>
+          <a:bodyPr vert="horz" lIns="91440" tIns="45720" rIns="91440" bIns="45720" rtlCol="0" anchor="b"/>
+          <a:lstStyle>
+            <a:lvl1pPr algn="l">
+              <a:defRPr sz="1200"/>
+            </a:lvl1pPr>
+          </a:lstStyle>
+          <a:p>
+            <a:endParaRPr lang="en-VN"/>
+          </a:p>
+        </p:txBody>
+      </p:sp>
+      <p:sp>
+        <p:nvSpPr>
+          <p:cNvPr id="7" name="Slide Number Placeholder 6"/>
+          <p:cNvSpPr>
+            <a:spLocks noGrp="1"/>
+          </p:cNvSpPr>
+          <p:nvPr>
+            <p:ph type="sldNum" sz="quarter" idx="5"/>
+          </p:nvPr>
+        </p:nvSpPr>
+        <p:spPr>
+          <a:xfrm>
+            <a:off x="3884613" y="8685213"/>
+            <a:ext cx="2971800" cy="458787"/>
+          </a:xfrm>
+          <a:prstGeom prst="rect">
+            <a:avLst/>
+          </a:prstGeom>
+        </p:spPr>
+        <p:txBody>
+          <a:bodyPr vert="horz" lIns="91440" tIns="45720" rIns="91440" bIns="45720" rtlCol="0" anchor="b"/>
+          <a:lstStyle>
+            <a:lvl1pPr algn="r">
+              <a:defRPr sz="1200"/>
+            </a:lvl1pPr>
+          </a:lstStyle>
+          <a:p>
+            <a:fld id="{91EE6AE5-8054-2242-A0FE-FBA6402877BC}" type="slidenum">
+              <a:rPr lang="en-VN" smtClean="0"/>
+              <a:t>‹#›</a:t>
+            </a:fld>
+            <a:endParaRPr lang="en-VN"/>
+          </a:p>
+        </p:txBody>
+      </p:sp>
+    </p:spTree>
+    <p:extLst>
+      <p:ext uri="{BB962C8B-B14F-4D97-AF65-F5344CB8AC3E}">
+        <p14:creationId xmlns:p14="http://schemas.microsoft.com/office/powerpoint/2010/main" val="3051584676"/>
+      </p:ext>
+    </p:extLst>
+  </p:cSld>
+  <p:clrMap bg1="lt1" tx1="dk1" bg2="lt2" tx2="dk2" accent1="accent1" accent2="accent2" accent3="accent3" accent4="accent4" accent5="accent5" accent6="accent6" hlink="hlink" folHlink="folHlink"/>
+  <p:hf hdr="0" ftr="0" dt="0"/>
+  <p:notesStyle>
+    <a:lvl1pPr marL="0" algn="l" defTabSz="914400" rtl="0" eaLnBrk="1" latinLnBrk="0" hangingPunct="1">
+      <a:defRPr sz="1200" kern="1200">
+        <a:solidFill>
+          <a:schemeClr val="tx1"/>
+        </a:solidFill>
+        <a:latin typeface="+mn-lt"/>
+        <a:ea typeface="+mn-ea"/>
+        <a:cs typeface="+mn-cs"/>
+      </a:defRPr>
+    </a:lvl1pPr>
+    <a:lvl2pPr marL="457200" algn="l" defTabSz="914400" rtl="0" eaLnBrk="1" latinLnBrk="0" hangingPunct="1">
+      <a:defRPr sz="1200" kern="1200">
+        <a:solidFill>
+          <a:schemeClr val="tx1"/>
+        </a:solidFill>
+        <a:latin typeface="+mn-lt"/>
+        <a:ea typeface="+mn-ea"/>
+        <a:cs typeface="+mn-cs"/>
+      </a:defRPr>
+    </a:lvl2pPr>
+    <a:lvl3pPr marL="914400" algn="l" defTabSz="914400" rtl="0" eaLnBrk="1" latinLnBrk="0" hangingPunct="1">
+      <a:defRPr sz="1200" kern="1200">
+        <a:solidFill>
+          <a:schemeClr val="tx1"/>
+        </a:solidFill>
+        <a:latin typeface="+mn-lt"/>
+        <a:ea typeface="+mn-ea"/>
+        <a:cs typeface="+mn-cs"/>
+      </a:defRPr>
+    </a:lvl3pPr>
+    <a:lvl4pPr marL="1371600" algn="l" defTabSz="914400" rtl="0" eaLnBrk="1" latinLnBrk="0" hangingPunct="1">
+      <a:defRPr sz="1200" kern="1200">
+        <a:solidFill>
+          <a:schemeClr val="tx1"/>
+        </a:solidFill>
+        <a:latin typeface="+mn-lt"/>
+        <a:ea typeface="+mn-ea"/>
+        <a:cs typeface="+mn-cs"/>
+      </a:defRPr>
+    </a:lvl4pPr>
+    <a:lvl5pPr marL="1828800" algn="l" defTabSz="914400" rtl="0" eaLnBrk="1" latinLnBrk="0" hangingPunct="1">
+      <a:defRPr sz="1200" kern="1200">
+        <a:solidFill>
+          <a:schemeClr val="tx1"/>
+        </a:solidFill>
+        <a:latin typeface="+mn-lt"/>
+        <a:ea typeface="+mn-ea"/>
+        <a:cs typeface="+mn-cs"/>
+      </a:defRPr>
+    </a:lvl5pPr>
+    <a:lvl6pPr marL="2286000" algn="l" defTabSz="914400" rtl="0" eaLnBrk="1" latinLnBrk="0" hangingPunct="1">
+      <a:defRPr sz="1200" kern="1200">
+        <a:solidFill>
+          <a:schemeClr val="tx1"/>
+        </a:solidFill>
+        <a:latin typeface="+mn-lt"/>
+        <a:ea typeface="+mn-ea"/>
+        <a:cs typeface="+mn-cs"/>
+      </a:defRPr>
+    </a:lvl6pPr>
+    <a:lvl7pPr marL="2743200" algn="l" defTabSz="914400" rtl="0" eaLnBrk="1" latinLnBrk="0" hangingPunct="1">
+      <a:defRPr sz="1200" kern="1200">
+        <a:solidFill>
+          <a:schemeClr val="tx1"/>
+        </a:solidFill>
+        <a:latin typeface="+mn-lt"/>
+        <a:ea typeface="+mn-ea"/>
+        <a:cs typeface="+mn-cs"/>
+      </a:defRPr>
+    </a:lvl7pPr>
+    <a:lvl8pPr marL="3200400" algn="l" defTabSz="914400" rtl="0" eaLnBrk="1" latinLnBrk="0" hangingPunct="1">
+      <a:defRPr sz="1200" kern="1200">
+        <a:solidFill>
+          <a:schemeClr val="tx1"/>
+        </a:solidFill>
+        <a:latin typeface="+mn-lt"/>
+        <a:ea typeface="+mn-ea"/>
+        <a:cs typeface="+mn-cs"/>
+      </a:defRPr>
+    </a:lvl8pPr>
+    <a:lvl9pPr marL="3657600" algn="l" defTabSz="914400" rtl="0" eaLnBrk="1" latinLnBrk="0" hangingPunct="1">
+      <a:defRPr sz="1200" kern="1200">
+        <a:solidFill>
+          <a:schemeClr val="tx1"/>
+        </a:solidFill>
+        <a:latin typeface="+mn-lt"/>
+        <a:ea typeface="+mn-ea"/>
+        <a:cs typeface="+mn-cs"/>
+      </a:defRPr>
+    </a:lvl9pPr>
+  </p:notesStyle>
+</p:notesMaster>
+</file>
+
 <file path=ppt/slideLayouts/slideLayout1.xml><?xml version="1.0" encoding="utf-8"?>
 <p:sldLayout xmlns:a="http://schemas.openxmlformats.org/drawingml/2006/main" xmlns:r="http://schemas.openxmlformats.org/officeDocument/2006/relationships" xmlns:p="http://schemas.openxmlformats.org/presentationml/2006/main" type="title" preserve="1">
   <p:cSld name="Title Slide">
@@ -320,7 +868,7 @@
           <a:bodyPr/>
           <a:lstStyle/>
           <a:p>
-            <a:fld id="{5BCAD085-E8A6-8845-BD4E-CB4CCA059FC4}" type="datetimeFigureOut">
+            <a:fld id="{E616A632-F02D-DB45-B25D-1578CFD63A36}" type="datetime1">
               <a:rPr lang="en-US" smtClean="0"/>
               <a:t>6/3/25</a:t>
             </a:fld>
@@ -652,7 +1200,7 @@
           <a:bodyPr/>
           <a:lstStyle/>
           <a:p>
-            <a:fld id="{5BCAD085-E8A6-8845-BD4E-CB4CCA059FC4}" type="datetimeFigureOut">
+            <a:fld id="{57D9080F-B1E9-EC4B-B792-F7A076A34806}" type="datetime1">
               <a:rPr lang="en-US" smtClean="0"/>
               <a:t>6/3/25</a:t>
             </a:fld>
@@ -1051,7 +1599,7 @@
           <a:bodyPr/>
           <a:lstStyle/>
           <a:p>
-            <a:fld id="{5BCAD085-E8A6-8845-BD4E-CB4CCA059FC4}" type="datetimeFigureOut">
+            <a:fld id="{E19B32C4-0FB0-1246-9D2E-406F92580177}" type="datetime1">
               <a:rPr lang="en-US" smtClean="0"/>
               <a:t>6/3/25</a:t>
             </a:fld>
@@ -1385,7 +1933,7 @@
           <a:bodyPr/>
           <a:lstStyle/>
           <a:p>
-            <a:fld id="{5BCAD085-E8A6-8845-BD4E-CB4CCA059FC4}" type="datetimeFigureOut">
+            <a:fld id="{CEBB270D-CC82-5445-8DFE-ADE42FCB6E7E}" type="datetime1">
               <a:rPr lang="en-US" smtClean="0"/>
               <a:t>6/3/25</a:t>
             </a:fld>
@@ -1703,7 +2251,7 @@
           <a:bodyPr/>
           <a:lstStyle/>
           <a:p>
-            <a:fld id="{5BCAD085-E8A6-8845-BD4E-CB4CCA059FC4}" type="datetimeFigureOut">
+            <a:fld id="{C182BFB6-CE2E-4E41-BEDA-A55039B50F27}" type="datetime1">
               <a:rPr lang="en-US" smtClean="0"/>
               <a:t>6/3/25</a:t>
             </a:fld>
@@ -2097,7 +2645,7 @@
           <a:bodyPr/>
           <a:lstStyle/>
           <a:p>
-            <a:fld id="{5BCAD085-E8A6-8845-BD4E-CB4CCA059FC4}" type="datetimeFigureOut">
+            <a:fld id="{7F2D7342-E7E0-C548-A7DE-B21A0AA3C37E}" type="datetime1">
               <a:rPr lang="en-US" smtClean="0"/>
               <a:t>6/3/25</a:t>
             </a:fld>
@@ -2352,7 +2900,7 @@
           <a:bodyPr/>
           <a:lstStyle/>
           <a:p>
-            <a:fld id="{5BCAD085-E8A6-8845-BD4E-CB4CCA059FC4}" type="datetimeFigureOut">
+            <a:fld id="{2EE2CA6A-8DAD-A04C-8B7A-6EE6491D2E58}" type="datetime1">
               <a:rPr lang="en-US" smtClean="0"/>
               <a:t>6/3/25</a:t>
             </a:fld>
@@ -2612,7 +3160,7 @@
           <a:bodyPr/>
           <a:lstStyle/>
           <a:p>
-            <a:fld id="{5BCAD085-E8A6-8845-BD4E-CB4CCA059FC4}" type="datetimeFigureOut">
+            <a:fld id="{A7D5C7DE-1815-3B49-92F3-95FB3C8CC444}" type="datetime1">
               <a:rPr lang="en-US" smtClean="0"/>
               <a:t>6/3/25</a:t>
             </a:fld>
@@ -2872,7 +3420,7 @@
           <a:bodyPr/>
           <a:lstStyle/>
           <a:p>
-            <a:fld id="{5BCAD085-E8A6-8845-BD4E-CB4CCA059FC4}" type="datetimeFigureOut">
+            <a:fld id="{3529A556-95A3-4446-9AD3-BE22A8CF6F20}" type="datetime1">
               <a:rPr lang="en-US" smtClean="0"/>
               <a:t>6/3/25</a:t>
             </a:fld>
@@ -3199,7 +3747,7 @@
           <a:bodyPr/>
           <a:lstStyle/>
           <a:p>
-            <a:fld id="{5BCAD085-E8A6-8845-BD4E-CB4CCA059FC4}" type="datetimeFigureOut">
+            <a:fld id="{47347DA5-22DF-3541-83B4-53AC0488DE69}" type="datetime1">
               <a:rPr lang="en-US" smtClean="0"/>
               <a:t>6/3/25</a:t>
             </a:fld>
@@ -3520,7 +4068,7 @@
           <a:bodyPr/>
           <a:lstStyle/>
           <a:p>
-            <a:fld id="{5BCAD085-E8A6-8845-BD4E-CB4CCA059FC4}" type="datetimeFigureOut">
+            <a:fld id="{44427456-6DC9-A14D-9E4C-CF0904AD0A12}" type="datetime1">
               <a:rPr lang="en-US" smtClean="0"/>
               <a:t>6/3/25</a:t>
             </a:fld>
@@ -3975,7 +4523,7 @@
           <a:bodyPr/>
           <a:lstStyle/>
           <a:p>
-            <a:fld id="{5BCAD085-E8A6-8845-BD4E-CB4CCA059FC4}" type="datetimeFigureOut">
+            <a:fld id="{A984293A-0CBA-D847-9A26-797FED3A6BD7}" type="datetime1">
               <a:rPr lang="en-US" smtClean="0"/>
               <a:t>6/3/25</a:t>
             </a:fld>
@@ -4183,7 +4731,7 @@
           <a:bodyPr/>
           <a:lstStyle/>
           <a:p>
-            <a:fld id="{5BCAD085-E8A6-8845-BD4E-CB4CCA059FC4}" type="datetimeFigureOut">
+            <a:fld id="{D007441F-887E-194B-9B0C-AEE013E233E9}" type="datetime1">
               <a:rPr lang="en-US" smtClean="0"/>
               <a:t>6/3/25</a:t>
             </a:fld>
@@ -4358,7 +4906,7 @@
           <a:bodyPr/>
           <a:lstStyle/>
           <a:p>
-            <a:fld id="{5BCAD085-E8A6-8845-BD4E-CB4CCA059FC4}" type="datetimeFigureOut">
+            <a:fld id="{6F8A3471-8EDF-4447-9BBC-01E637AFDC62}" type="datetime1">
               <a:rPr lang="en-US" smtClean="0"/>
               <a:t>6/3/25</a:t>
             </a:fld>
@@ -4689,7 +5237,7 @@
           <a:bodyPr/>
           <a:lstStyle/>
           <a:p>
-            <a:fld id="{5BCAD085-E8A6-8845-BD4E-CB4CCA059FC4}" type="datetimeFigureOut">
+            <a:fld id="{DBA429A2-3F7D-3F44-AA27-D0303F6D351F}" type="datetime1">
               <a:rPr lang="en-US" smtClean="0"/>
               <a:t>6/3/25</a:t>
             </a:fld>
@@ -5032,7 +5580,7 @@
           <a:bodyPr/>
           <a:lstStyle/>
           <a:p>
-            <a:fld id="{5BCAD085-E8A6-8845-BD4E-CB4CCA059FC4}" type="datetimeFigureOut">
+            <a:fld id="{0F2320D6-F3A0-7E48-B218-ED1D97283807}" type="datetime1">
               <a:rPr lang="en-US" smtClean="0"/>
               <a:t>6/3/25</a:t>
             </a:fld>
@@ -7147,7 +7695,7 @@
             </a:lvl1pPr>
           </a:lstStyle>
           <a:p>
-            <a:fld id="{5BCAD085-E8A6-8845-BD4E-CB4CCA059FC4}" type="datetimeFigureOut">
+            <a:fld id="{6EC02A99-A94E-8C43-9325-0AA138A47AA0}" type="datetime1">
               <a:rPr lang="en-US" smtClean="0"/>
               <a:t>6/3/25</a:t>
             </a:fld>
@@ -7257,6 +7805,7 @@
     <p:sldLayoutId id="2147483675" r:id="rId15"/>
     <p:sldLayoutId id="2147483676" r:id="rId16"/>
   </p:sldLayoutIdLst>
+  <p:hf hdr="0" ftr="0" dt="0"/>
   <p:txStyles>
     <p:titleStyle>
       <a:lvl1pPr algn="l" defTabSz="457200" rtl="0" eaLnBrk="1" latinLnBrk="0" hangingPunct="1">
@@ -7857,6 +8406,35 @@
           </a:extLst>
         </p:spPr>
       </p:pic>
+      <p:sp>
+        <p:nvSpPr>
+          <p:cNvPr id="4" name="Slide Number Placeholder 3">
+            <a:extLst>
+              <a:ext uri="{FF2B5EF4-FFF2-40B4-BE49-F238E27FC236}">
+                <a16:creationId xmlns:a16="http://schemas.microsoft.com/office/drawing/2014/main" id="{0F7DDC77-B922-F843-8A3A-61AFC99519A3}"/>
+              </a:ext>
+            </a:extLst>
+          </p:cNvPr>
+          <p:cNvSpPr>
+            <a:spLocks noGrp="1"/>
+          </p:cNvSpPr>
+          <p:nvPr>
+            <p:ph type="sldNum" sz="quarter" idx="12"/>
+          </p:nvPr>
+        </p:nvSpPr>
+        <p:spPr/>
+        <p:txBody>
+          <a:bodyPr/>
+          <a:lstStyle/>
+          <a:p>
+            <a:fld id="{C1FF6DA9-008F-8B48-92A6-B652298478BF}" type="slidenum">
+              <a:rPr lang="en-US" smtClean="0"/>
+              <a:t>1</a:t>
+            </a:fld>
+            <a:endParaRPr lang="en-US"/>
+          </a:p>
+        </p:txBody>
+      </p:sp>
     </p:spTree>
   </p:cSld>
   <p:clrMapOvr>
@@ -7892,18 +8470,27 @@
             <p:ph type="title"/>
           </p:nvPr>
         </p:nvSpPr>
-        <p:spPr/>
+        <p:spPr>
+          <a:xfrm>
+            <a:off x="1509773" y="622299"/>
+            <a:ext cx="6589199" cy="1280890"/>
+          </a:xfrm>
+        </p:spPr>
         <p:txBody>
           <a:bodyPr/>
           <a:lstStyle/>
           <a:p>
             <a:r>
-              <a:rPr>
+              <a:rPr lang="en-US" dirty="0">
                 <a:latin typeface="Times New Roman" panose="02020603050405020304" pitchFamily="18" charset="0"/>
                 <a:cs typeface="Times New Roman" panose="02020603050405020304" pitchFamily="18" charset="0"/>
               </a:rPr>
-              <a:t>Tips &amp; Best Practices</a:t>
-            </a:r>
+              <a:t>Practice Topic</a:t>
+            </a:r>
+            <a:endParaRPr dirty="0">
+              <a:latin typeface="Times New Roman" panose="02020603050405020304" pitchFamily="18" charset="0"/>
+              <a:cs typeface="Times New Roman" panose="02020603050405020304" pitchFamily="18" charset="0"/>
+            </a:endParaRPr>
           </a:p>
         </p:txBody>
       </p:sp>
@@ -7917,49 +8504,187 @@
             <p:ph idx="1"/>
           </p:nvPr>
         </p:nvSpPr>
-        <p:spPr/>
-        <p:txBody>
-          <a:bodyPr/>
+        <p:spPr>
+          <a:xfrm>
+            <a:off x="1070142" y="1306288"/>
+            <a:ext cx="6128657" cy="5203370"/>
+          </a:xfrm>
+        </p:spPr>
+        <p:txBody>
+          <a:bodyPr anchor="ctr">
+            <a:noAutofit/>
+          </a:bodyPr>
           <a:lstStyle/>
           <a:p>
-            <a:r>
-              <a:rPr dirty="0">
+            <a:pPr marL="0" indent="0" algn="ctr">
+              <a:buNone/>
+            </a:pPr>
+            <a:r>
+              <a:rPr lang="en-US" sz="3000" b="1" dirty="0">
                 <a:latin typeface="Times New Roman" panose="02020603050405020304" pitchFamily="18" charset="0"/>
                 <a:cs typeface="Times New Roman" panose="02020603050405020304" pitchFamily="18" charset="0"/>
               </a:rPr>
-              <a:t>Use high-quality targets (clear contrast, detail)</a:t>
-            </a:r>
-          </a:p>
-          <a:p>
-            <a:r>
-              <a:rPr dirty="0">
+              <a:t>Sample code review</a:t>
+            </a:r>
+          </a:p>
+          <a:p>
+            <a:pPr marL="0" indent="0" algn="ctr">
+              <a:buNone/>
+            </a:pPr>
+            <a:r>
+              <a:rPr lang="en-US" sz="3000" b="1" dirty="0">
                 <a:latin typeface="Times New Roman" panose="02020603050405020304" pitchFamily="18" charset="0"/>
                 <a:cs typeface="Times New Roman" panose="02020603050405020304" pitchFamily="18" charset="0"/>
               </a:rPr>
-              <a:t>Optimize model geometry for Model Targets</a:t>
-            </a:r>
-          </a:p>
-          <a:p>
-            <a:r>
-              <a:rPr dirty="0">
+              <a:t>(30 mins)</a:t>
+            </a:r>
+            <a:endParaRPr lang="en-US" sz="3000" dirty="0">
+              <a:latin typeface="Times New Roman" panose="02020603050405020304" pitchFamily="18" charset="0"/>
+              <a:cs typeface="Times New Roman" panose="02020603050405020304" pitchFamily="18" charset="0"/>
+            </a:endParaRPr>
+          </a:p>
+        </p:txBody>
+      </p:sp>
+      <p:sp>
+        <p:nvSpPr>
+          <p:cNvPr id="5" name="TextBox 4">
+            <a:extLst>
+              <a:ext uri="{FF2B5EF4-FFF2-40B4-BE49-F238E27FC236}">
+                <a16:creationId xmlns:a16="http://schemas.microsoft.com/office/drawing/2014/main" id="{D146D7AF-82F1-1241-98C8-00667DBC351C}"/>
+              </a:ext>
+            </a:extLst>
+          </p:cNvPr>
+          <p:cNvSpPr txBox="1"/>
+          <p:nvPr/>
+        </p:nvSpPr>
+        <p:spPr>
+          <a:xfrm>
+            <a:off x="5674799" y="364129"/>
+            <a:ext cx="3469201" cy="1200329"/>
+          </a:xfrm>
+          <a:prstGeom prst="rect">
+            <a:avLst/>
+          </a:prstGeom>
+          <a:noFill/>
+        </p:spPr>
+        <p:txBody>
+          <a:bodyPr wrap="square">
+            <a:spAutoFit/>
+          </a:bodyPr>
+          <a:lstStyle/>
+          <a:p>
+            <a:pPr marL="0" indent="0">
+              <a:buNone/>
+            </a:pPr>
+            <a:r>
+              <a:rPr lang="en-US" sz="1800" b="1" dirty="0">
                 <a:latin typeface="Times New Roman" panose="02020603050405020304" pitchFamily="18" charset="0"/>
                 <a:cs typeface="Times New Roman" panose="02020603050405020304" pitchFamily="18" charset="0"/>
               </a:rPr>
-              <a:t>Test on device frequently</a:t>
-            </a:r>
-          </a:p>
-          <a:p>
-            <a:r>
-              <a:rPr dirty="0">
+              <a:t>Target Object:</a:t>
+            </a:r>
+            <a:r>
+              <a:rPr lang="en-US" sz="1800" dirty="0">
                 <a:latin typeface="Times New Roman" panose="02020603050405020304" pitchFamily="18" charset="0"/>
                 <a:cs typeface="Times New Roman" panose="02020603050405020304" pitchFamily="18" charset="0"/>
               </a:rPr>
-              <a:t>Avoid reflective surfaces in models</a:t>
-            </a:r>
+              <a:t> Air Compressor</a:t>
+            </a:r>
+          </a:p>
+          <a:p>
+            <a:pPr marL="0" indent="0">
+              <a:buNone/>
+            </a:pPr>
+            <a:r>
+              <a:rPr lang="en-US" sz="1800" b="1" dirty="0">
+                <a:latin typeface="Times New Roman" panose="02020603050405020304" pitchFamily="18" charset="0"/>
+                <a:cs typeface="Times New Roman" panose="02020603050405020304" pitchFamily="18" charset="0"/>
+              </a:rPr>
+              <a:t>AR Engine:</a:t>
+            </a:r>
+            <a:r>
+              <a:rPr lang="en-US" sz="1800" dirty="0">
+                <a:latin typeface="Times New Roman" panose="02020603050405020304" pitchFamily="18" charset="0"/>
+                <a:cs typeface="Times New Roman" panose="02020603050405020304" pitchFamily="18" charset="0"/>
+              </a:rPr>
+              <a:t> Vuforia</a:t>
+            </a:r>
+          </a:p>
+          <a:p>
+            <a:pPr marL="0" indent="0">
+              <a:buNone/>
+            </a:pPr>
+            <a:r>
+              <a:rPr lang="en-US" sz="1800" b="1" dirty="0">
+                <a:latin typeface="Times New Roman" panose="02020603050405020304" pitchFamily="18" charset="0"/>
+                <a:cs typeface="Times New Roman" panose="02020603050405020304" pitchFamily="18" charset="0"/>
+              </a:rPr>
+              <a:t>Platform:</a:t>
+            </a:r>
+            <a:r>
+              <a:rPr lang="en-US" sz="1800" dirty="0">
+                <a:latin typeface="Times New Roman" panose="02020603050405020304" pitchFamily="18" charset="0"/>
+                <a:cs typeface="Times New Roman" panose="02020603050405020304" pitchFamily="18" charset="0"/>
+              </a:rPr>
+              <a:t> Unity 3D</a:t>
+            </a:r>
+          </a:p>
+          <a:p>
+            <a:pPr marL="0" indent="0">
+              <a:buNone/>
+            </a:pPr>
+            <a:r>
+              <a:rPr lang="en-US" sz="1800" b="1" dirty="0">
+                <a:latin typeface="Times New Roman" panose="02020603050405020304" pitchFamily="18" charset="0"/>
+                <a:cs typeface="Times New Roman" panose="02020603050405020304" pitchFamily="18" charset="0"/>
+              </a:rPr>
+              <a:t>AI Engine:</a:t>
+            </a:r>
+            <a:r>
+              <a:rPr lang="en-US" sz="1800" dirty="0">
+                <a:latin typeface="Times New Roman" panose="02020603050405020304" pitchFamily="18" charset="0"/>
+                <a:cs typeface="Times New Roman" panose="02020603050405020304" pitchFamily="18" charset="0"/>
+              </a:rPr>
+              <a:t> Meta AIVI</a:t>
+            </a:r>
+          </a:p>
+        </p:txBody>
+      </p:sp>
+      <p:sp>
+        <p:nvSpPr>
+          <p:cNvPr id="4" name="Slide Number Placeholder 3">
+            <a:extLst>
+              <a:ext uri="{FF2B5EF4-FFF2-40B4-BE49-F238E27FC236}">
+                <a16:creationId xmlns:a16="http://schemas.microsoft.com/office/drawing/2014/main" id="{E21B78B1-BF02-E943-B5DB-2C2162F812AE}"/>
+              </a:ext>
+            </a:extLst>
+          </p:cNvPr>
+          <p:cNvSpPr>
+            <a:spLocks noGrp="1"/>
+          </p:cNvSpPr>
+          <p:nvPr>
+            <p:ph type="sldNum" sz="quarter" idx="12"/>
+          </p:nvPr>
+        </p:nvSpPr>
+        <p:spPr/>
+        <p:txBody>
+          <a:bodyPr/>
+          <a:lstStyle/>
+          <a:p>
+            <a:fld id="{C1FF6DA9-008F-8B48-92A6-B652298478BF}" type="slidenum">
+              <a:rPr lang="en-US" smtClean="0"/>
+              <a:t>10</a:t>
+            </a:fld>
+            <a:endParaRPr lang="en-US"/>
           </a:p>
         </p:txBody>
       </p:sp>
     </p:spTree>
+    <p:extLst>
+      <p:ext uri="{BB962C8B-B14F-4D97-AF65-F5344CB8AC3E}">
+        <p14:creationId xmlns:p14="http://schemas.microsoft.com/office/powerpoint/2010/main" val="1098156412"/>
+      </p:ext>
+    </p:extLst>
   </p:cSld>
   <p:clrMapOvr>
     <a:masterClrMapping/>
@@ -8004,7 +8729,7 @@
                 <a:latin typeface="Times New Roman" panose="02020603050405020304" pitchFamily="18" charset="0"/>
                 <a:cs typeface="Times New Roman" panose="02020603050405020304" pitchFamily="18" charset="0"/>
               </a:rPr>
-              <a:t>Resources</a:t>
+              <a:t>Tips &amp; Best Practices</a:t>
             </a:r>
           </a:p>
         </p:txBody>
@@ -8023,26 +8748,13 @@
         <p:txBody>
           <a:bodyPr/>
           <a:lstStyle/>
-          <a:p>
-            <a:r>
-              <a:rPr dirty="0" err="1">
-                <a:latin typeface="Times New Roman" panose="02020603050405020304" pitchFamily="18" charset="0"/>
-                <a:cs typeface="Times New Roman" panose="02020603050405020304" pitchFamily="18" charset="0"/>
-              </a:rPr>
-              <a:t>developer.vuforia.com</a:t>
-            </a:r>
-            <a:endParaRPr dirty="0">
-              <a:latin typeface="Times New Roman" panose="02020603050405020304" pitchFamily="18" charset="0"/>
-              <a:cs typeface="Times New Roman" panose="02020603050405020304" pitchFamily="18" charset="0"/>
-            </a:endParaRPr>
-          </a:p>
           <a:p>
             <a:r>
               <a:rPr dirty="0">
                 <a:latin typeface="Times New Roman" panose="02020603050405020304" pitchFamily="18" charset="0"/>
                 <a:cs typeface="Times New Roman" panose="02020603050405020304" pitchFamily="18" charset="0"/>
               </a:rPr>
-              <a:t>Unity Documentation</a:t>
+              <a:t>Use high-quality targets (clear contrast, detail)</a:t>
             </a:r>
           </a:p>
           <a:p>
@@ -8051,7 +8763,7 @@
                 <a:latin typeface="Times New Roman" panose="02020603050405020304" pitchFamily="18" charset="0"/>
                 <a:cs typeface="Times New Roman" panose="02020603050405020304" pitchFamily="18" charset="0"/>
               </a:rPr>
-              <a:t>Vuforia Forums</a:t>
+              <a:t>Optimize model geometry for Model Targets</a:t>
             </a:r>
           </a:p>
           <a:p>
@@ -8060,8 +8772,46 @@
                 <a:latin typeface="Times New Roman" panose="02020603050405020304" pitchFamily="18" charset="0"/>
                 <a:cs typeface="Times New Roman" panose="02020603050405020304" pitchFamily="18" charset="0"/>
               </a:rPr>
-              <a:t>Tutorials (YouTube, blogs)</a:t>
-            </a:r>
+              <a:t>Test on device frequently</a:t>
+            </a:r>
+          </a:p>
+          <a:p>
+            <a:r>
+              <a:rPr dirty="0">
+                <a:latin typeface="Times New Roman" panose="02020603050405020304" pitchFamily="18" charset="0"/>
+                <a:cs typeface="Times New Roman" panose="02020603050405020304" pitchFamily="18" charset="0"/>
+              </a:rPr>
+              <a:t>Avoid reflective surfaces in models</a:t>
+            </a:r>
+          </a:p>
+        </p:txBody>
+      </p:sp>
+      <p:sp>
+        <p:nvSpPr>
+          <p:cNvPr id="4" name="Slide Number Placeholder 3">
+            <a:extLst>
+              <a:ext uri="{FF2B5EF4-FFF2-40B4-BE49-F238E27FC236}">
+                <a16:creationId xmlns:a16="http://schemas.microsoft.com/office/drawing/2014/main" id="{3634ED56-746B-3443-8745-EFB75ACDF380}"/>
+              </a:ext>
+            </a:extLst>
+          </p:cNvPr>
+          <p:cNvSpPr>
+            <a:spLocks noGrp="1"/>
+          </p:cNvSpPr>
+          <p:nvPr>
+            <p:ph type="sldNum" sz="quarter" idx="12"/>
+          </p:nvPr>
+        </p:nvSpPr>
+        <p:spPr/>
+        <p:txBody>
+          <a:bodyPr/>
+          <a:lstStyle/>
+          <a:p>
+            <a:fld id="{C1FF6DA9-008F-8B48-92A6-B652298478BF}" type="slidenum">
+              <a:rPr lang="en-US" smtClean="0"/>
+              <a:t>11</a:t>
+            </a:fld>
+            <a:endParaRPr lang="en-US"/>
           </a:p>
         </p:txBody>
       </p:sp>
@@ -8106,6 +8856,141 @@
           <a:lstStyle/>
           <a:p>
             <a:r>
+              <a:rPr>
+                <a:latin typeface="Times New Roman" panose="02020603050405020304" pitchFamily="18" charset="0"/>
+                <a:cs typeface="Times New Roman" panose="02020603050405020304" pitchFamily="18" charset="0"/>
+              </a:rPr>
+              <a:t>Resources</a:t>
+            </a:r>
+          </a:p>
+        </p:txBody>
+      </p:sp>
+      <p:sp>
+        <p:nvSpPr>
+          <p:cNvPr id="3" name="Content Placeholder 2"/>
+          <p:cNvSpPr>
+            <a:spLocks noGrp="1"/>
+          </p:cNvSpPr>
+          <p:nvPr>
+            <p:ph idx="1"/>
+          </p:nvPr>
+        </p:nvSpPr>
+        <p:spPr/>
+        <p:txBody>
+          <a:bodyPr/>
+          <a:lstStyle/>
+          <a:p>
+            <a:r>
+              <a:rPr dirty="0" err="1">
+                <a:latin typeface="Times New Roman" panose="02020603050405020304" pitchFamily="18" charset="0"/>
+                <a:cs typeface="Times New Roman" panose="02020603050405020304" pitchFamily="18" charset="0"/>
+              </a:rPr>
+              <a:t>developer.vuforia.com</a:t>
+            </a:r>
+            <a:endParaRPr dirty="0">
+              <a:latin typeface="Times New Roman" panose="02020603050405020304" pitchFamily="18" charset="0"/>
+              <a:cs typeface="Times New Roman" panose="02020603050405020304" pitchFamily="18" charset="0"/>
+            </a:endParaRPr>
+          </a:p>
+          <a:p>
+            <a:r>
+              <a:rPr dirty="0">
+                <a:latin typeface="Times New Roman" panose="02020603050405020304" pitchFamily="18" charset="0"/>
+                <a:cs typeface="Times New Roman" panose="02020603050405020304" pitchFamily="18" charset="0"/>
+              </a:rPr>
+              <a:t>Unity Documentation</a:t>
+            </a:r>
+          </a:p>
+          <a:p>
+            <a:r>
+              <a:rPr dirty="0">
+                <a:latin typeface="Times New Roman" panose="02020603050405020304" pitchFamily="18" charset="0"/>
+                <a:cs typeface="Times New Roman" panose="02020603050405020304" pitchFamily="18" charset="0"/>
+              </a:rPr>
+              <a:t>Vuforia Forums</a:t>
+            </a:r>
+          </a:p>
+          <a:p>
+            <a:r>
+              <a:rPr dirty="0">
+                <a:latin typeface="Times New Roman" panose="02020603050405020304" pitchFamily="18" charset="0"/>
+                <a:cs typeface="Times New Roman" panose="02020603050405020304" pitchFamily="18" charset="0"/>
+              </a:rPr>
+              <a:t>Tutorials (YouTube, blogs)</a:t>
+            </a:r>
+          </a:p>
+        </p:txBody>
+      </p:sp>
+      <p:sp>
+        <p:nvSpPr>
+          <p:cNvPr id="4" name="Slide Number Placeholder 3">
+            <a:extLst>
+              <a:ext uri="{FF2B5EF4-FFF2-40B4-BE49-F238E27FC236}">
+                <a16:creationId xmlns:a16="http://schemas.microsoft.com/office/drawing/2014/main" id="{3B444432-B5B8-8E47-B89E-4B96867D0004}"/>
+              </a:ext>
+            </a:extLst>
+          </p:cNvPr>
+          <p:cNvSpPr>
+            <a:spLocks noGrp="1"/>
+          </p:cNvSpPr>
+          <p:nvPr>
+            <p:ph type="sldNum" sz="quarter" idx="12"/>
+          </p:nvPr>
+        </p:nvSpPr>
+        <p:spPr/>
+        <p:txBody>
+          <a:bodyPr/>
+          <a:lstStyle/>
+          <a:p>
+            <a:fld id="{C1FF6DA9-008F-8B48-92A6-B652298478BF}" type="slidenum">
+              <a:rPr lang="en-US" smtClean="0"/>
+              <a:t>12</a:t>
+            </a:fld>
+            <a:endParaRPr lang="en-US"/>
+          </a:p>
+        </p:txBody>
+      </p:sp>
+    </p:spTree>
+  </p:cSld>
+  <p:clrMapOvr>
+    <a:masterClrMapping/>
+  </p:clrMapOvr>
+</p:sld>
+</file>
+
+<file path=ppt/slides/slide13.xml><?xml version="1.0" encoding="utf-8"?>
+<p:sld xmlns:a="http://schemas.openxmlformats.org/drawingml/2006/main" xmlns:r="http://schemas.openxmlformats.org/officeDocument/2006/relationships" xmlns:p="http://schemas.openxmlformats.org/presentationml/2006/main">
+  <p:cSld>
+    <p:spTree>
+      <p:nvGrpSpPr>
+        <p:cNvPr id="1" name=""/>
+        <p:cNvGrpSpPr/>
+        <p:nvPr/>
+      </p:nvGrpSpPr>
+      <p:grpSpPr>
+        <a:xfrm>
+          <a:off x="0" y="0"/>
+          <a:ext cx="0" cy="0"/>
+          <a:chOff x="0" y="0"/>
+          <a:chExt cx="0" cy="0"/>
+        </a:xfrm>
+      </p:grpSpPr>
+      <p:sp>
+        <p:nvSpPr>
+          <p:cNvPr id="2" name="Title 1"/>
+          <p:cNvSpPr>
+            <a:spLocks noGrp="1"/>
+          </p:cNvSpPr>
+          <p:nvPr>
+            <p:ph type="title"/>
+          </p:nvPr>
+        </p:nvSpPr>
+        <p:spPr/>
+        <p:txBody>
+          <a:bodyPr/>
+          <a:lstStyle/>
+          <a:p>
+            <a:r>
               <a:rPr dirty="0">
                 <a:latin typeface="Times New Roman" panose="02020603050405020304" pitchFamily="18" charset="0"/>
                 <a:cs typeface="Times New Roman" panose="02020603050405020304" pitchFamily="18" charset="0"/>
@@ -8140,6 +9025,35 @@
               </a:rPr>
               <a:t>Thank you</a:t>
             </a:r>
+          </a:p>
+        </p:txBody>
+      </p:sp>
+      <p:sp>
+        <p:nvSpPr>
+          <p:cNvPr id="4" name="Slide Number Placeholder 3">
+            <a:extLst>
+              <a:ext uri="{FF2B5EF4-FFF2-40B4-BE49-F238E27FC236}">
+                <a16:creationId xmlns:a16="http://schemas.microsoft.com/office/drawing/2014/main" id="{3F5EB45C-97DD-B945-AAD5-7CD6A67B676E}"/>
+              </a:ext>
+            </a:extLst>
+          </p:cNvPr>
+          <p:cNvSpPr>
+            <a:spLocks noGrp="1"/>
+          </p:cNvSpPr>
+          <p:nvPr>
+            <p:ph type="sldNum" sz="quarter" idx="12"/>
+          </p:nvPr>
+        </p:nvSpPr>
+        <p:spPr/>
+        <p:txBody>
+          <a:bodyPr/>
+          <a:lstStyle/>
+          <a:p>
+            <a:fld id="{C1FF6DA9-008F-8B48-92A6-B652298478BF}" type="slidenum">
+              <a:rPr lang="en-US" smtClean="0"/>
+              <a:t>13</a:t>
+            </a:fld>
+            <a:endParaRPr lang="en-US"/>
           </a:p>
         </p:txBody>
       </p:sp>
@@ -8293,6 +9207,35 @@
           </a:extLst>
         </p:spPr>
       </p:pic>
+      <p:sp>
+        <p:nvSpPr>
+          <p:cNvPr id="4" name="Slide Number Placeholder 3">
+            <a:extLst>
+              <a:ext uri="{FF2B5EF4-FFF2-40B4-BE49-F238E27FC236}">
+                <a16:creationId xmlns:a16="http://schemas.microsoft.com/office/drawing/2014/main" id="{457F5B79-A3D2-4946-9B52-57500798988C}"/>
+              </a:ext>
+            </a:extLst>
+          </p:cNvPr>
+          <p:cNvSpPr>
+            <a:spLocks noGrp="1"/>
+          </p:cNvSpPr>
+          <p:nvPr>
+            <p:ph type="sldNum" sz="quarter" idx="12"/>
+          </p:nvPr>
+        </p:nvSpPr>
+        <p:spPr/>
+        <p:txBody>
+          <a:bodyPr/>
+          <a:lstStyle/>
+          <a:p>
+            <a:fld id="{C1FF6DA9-008F-8B48-92A6-B652298478BF}" type="slidenum">
+              <a:rPr lang="en-US" smtClean="0"/>
+              <a:t>2</a:t>
+            </a:fld>
+            <a:endParaRPr lang="en-US"/>
+          </a:p>
+        </p:txBody>
+      </p:sp>
     </p:spTree>
   </p:cSld>
   <p:clrMapOvr>
@@ -8417,6 +9360,35 @@
           </a:p>
         </p:txBody>
       </p:sp>
+      <p:sp>
+        <p:nvSpPr>
+          <p:cNvPr id="4" name="Slide Number Placeholder 3">
+            <a:extLst>
+              <a:ext uri="{FF2B5EF4-FFF2-40B4-BE49-F238E27FC236}">
+                <a16:creationId xmlns:a16="http://schemas.microsoft.com/office/drawing/2014/main" id="{99C4665E-0C00-D14B-92C8-CD854795ADE5}"/>
+              </a:ext>
+            </a:extLst>
+          </p:cNvPr>
+          <p:cNvSpPr>
+            <a:spLocks noGrp="1"/>
+          </p:cNvSpPr>
+          <p:nvPr>
+            <p:ph type="sldNum" sz="quarter" idx="12"/>
+          </p:nvPr>
+        </p:nvSpPr>
+        <p:spPr/>
+        <p:txBody>
+          <a:bodyPr/>
+          <a:lstStyle/>
+          <a:p>
+            <a:fld id="{C1FF6DA9-008F-8B48-92A6-B652298478BF}" type="slidenum">
+              <a:rPr lang="en-US" smtClean="0"/>
+              <a:t>3</a:t>
+            </a:fld>
+            <a:endParaRPr lang="en-US"/>
+          </a:p>
+        </p:txBody>
+      </p:sp>
     </p:spTree>
   </p:cSld>
   <p:clrMapOvr>
@@ -8576,6 +9548,35 @@
           </a:p>
         </p:txBody>
       </p:sp>
+      <p:sp>
+        <p:nvSpPr>
+          <p:cNvPr id="4" name="Slide Number Placeholder 3">
+            <a:extLst>
+              <a:ext uri="{FF2B5EF4-FFF2-40B4-BE49-F238E27FC236}">
+                <a16:creationId xmlns:a16="http://schemas.microsoft.com/office/drawing/2014/main" id="{47FDEEF3-F96F-7146-BE4D-05D8804063E2}"/>
+              </a:ext>
+            </a:extLst>
+          </p:cNvPr>
+          <p:cNvSpPr>
+            <a:spLocks noGrp="1"/>
+          </p:cNvSpPr>
+          <p:nvPr>
+            <p:ph type="sldNum" sz="quarter" idx="12"/>
+          </p:nvPr>
+        </p:nvSpPr>
+        <p:spPr/>
+        <p:txBody>
+          <a:bodyPr/>
+          <a:lstStyle/>
+          <a:p>
+            <a:fld id="{C1FF6DA9-008F-8B48-92A6-B652298478BF}" type="slidenum">
+              <a:rPr lang="en-US" smtClean="0"/>
+              <a:t>4</a:t>
+            </a:fld>
+            <a:endParaRPr lang="en-US"/>
+          </a:p>
+        </p:txBody>
+      </p:sp>
     </p:spTree>
   </p:cSld>
   <p:clrMapOvr>
@@ -8740,6 +9741,35 @@
           </a:p>
         </p:txBody>
       </p:sp>
+      <p:sp>
+        <p:nvSpPr>
+          <p:cNvPr id="4" name="Slide Number Placeholder 3">
+            <a:extLst>
+              <a:ext uri="{FF2B5EF4-FFF2-40B4-BE49-F238E27FC236}">
+                <a16:creationId xmlns:a16="http://schemas.microsoft.com/office/drawing/2014/main" id="{D19696DE-1339-C54A-8298-5BBC704672EC}"/>
+              </a:ext>
+            </a:extLst>
+          </p:cNvPr>
+          <p:cNvSpPr>
+            <a:spLocks noGrp="1"/>
+          </p:cNvSpPr>
+          <p:nvPr>
+            <p:ph type="sldNum" sz="quarter" idx="12"/>
+          </p:nvPr>
+        </p:nvSpPr>
+        <p:spPr/>
+        <p:txBody>
+          <a:bodyPr/>
+          <a:lstStyle/>
+          <a:p>
+            <a:fld id="{C1FF6DA9-008F-8B48-92A6-B652298478BF}" type="slidenum">
+              <a:rPr lang="en-US" smtClean="0"/>
+              <a:t>5</a:t>
+            </a:fld>
+            <a:endParaRPr lang="en-US"/>
+          </a:p>
+        </p:txBody>
+      </p:sp>
     </p:spTree>
   </p:cSld>
   <p:clrMapOvr>
@@ -8883,6 +9913,35 @@
           </a:p>
         </p:txBody>
       </p:sp>
+      <p:sp>
+        <p:nvSpPr>
+          <p:cNvPr id="4" name="Slide Number Placeholder 3">
+            <a:extLst>
+              <a:ext uri="{FF2B5EF4-FFF2-40B4-BE49-F238E27FC236}">
+                <a16:creationId xmlns:a16="http://schemas.microsoft.com/office/drawing/2014/main" id="{9CDD63D4-5CD3-2343-9683-EDB71F2A28EF}"/>
+              </a:ext>
+            </a:extLst>
+          </p:cNvPr>
+          <p:cNvSpPr>
+            <a:spLocks noGrp="1"/>
+          </p:cNvSpPr>
+          <p:nvPr>
+            <p:ph type="sldNum" sz="quarter" idx="12"/>
+          </p:nvPr>
+        </p:nvSpPr>
+        <p:spPr/>
+        <p:txBody>
+          <a:bodyPr/>
+          <a:lstStyle/>
+          <a:p>
+            <a:fld id="{C1FF6DA9-008F-8B48-92A6-B652298478BF}" type="slidenum">
+              <a:rPr lang="en-US" smtClean="0"/>
+              <a:t>6</a:t>
+            </a:fld>
+            <a:endParaRPr lang="en-US"/>
+          </a:p>
+        </p:txBody>
+      </p:sp>
     </p:spTree>
   </p:cSld>
   <p:clrMapOvr>
@@ -9040,6 +10099,35 @@
           </a:p>
         </p:txBody>
       </p:sp>
+      <p:sp>
+        <p:nvSpPr>
+          <p:cNvPr id="4" name="Slide Number Placeholder 3">
+            <a:extLst>
+              <a:ext uri="{FF2B5EF4-FFF2-40B4-BE49-F238E27FC236}">
+                <a16:creationId xmlns:a16="http://schemas.microsoft.com/office/drawing/2014/main" id="{8AEAB1AB-7BF4-A64A-8375-AAB039D00B30}"/>
+              </a:ext>
+            </a:extLst>
+          </p:cNvPr>
+          <p:cNvSpPr>
+            <a:spLocks noGrp="1"/>
+          </p:cNvSpPr>
+          <p:nvPr>
+            <p:ph type="sldNum" sz="quarter" idx="12"/>
+          </p:nvPr>
+        </p:nvSpPr>
+        <p:spPr/>
+        <p:txBody>
+          <a:bodyPr/>
+          <a:lstStyle/>
+          <a:p>
+            <a:fld id="{C1FF6DA9-008F-8B48-92A6-B652298478BF}" type="slidenum">
+              <a:rPr lang="en-US" smtClean="0"/>
+              <a:t>7</a:t>
+            </a:fld>
+            <a:endParaRPr lang="en-US"/>
+          </a:p>
+        </p:txBody>
+      </p:sp>
     </p:spTree>
   </p:cSld>
   <p:clrMapOvr>
@@ -9214,6 +10302,35 @@
           </a:p>
         </p:txBody>
       </p:sp>
+      <p:sp>
+        <p:nvSpPr>
+          <p:cNvPr id="4" name="Slide Number Placeholder 3">
+            <a:extLst>
+              <a:ext uri="{FF2B5EF4-FFF2-40B4-BE49-F238E27FC236}">
+                <a16:creationId xmlns:a16="http://schemas.microsoft.com/office/drawing/2014/main" id="{B7AF23FF-9EA5-C644-A687-1C07FF8D3F92}"/>
+              </a:ext>
+            </a:extLst>
+          </p:cNvPr>
+          <p:cNvSpPr>
+            <a:spLocks noGrp="1"/>
+          </p:cNvSpPr>
+          <p:nvPr>
+            <p:ph type="sldNum" sz="quarter" idx="12"/>
+          </p:nvPr>
+        </p:nvSpPr>
+        <p:spPr/>
+        <p:txBody>
+          <a:bodyPr/>
+          <a:lstStyle/>
+          <a:p>
+            <a:fld id="{C1FF6DA9-008F-8B48-92A6-B652298478BF}" type="slidenum">
+              <a:rPr lang="en-US" smtClean="0"/>
+              <a:t>8</a:t>
+            </a:fld>
+            <a:endParaRPr lang="en-US"/>
+          </a:p>
+        </p:txBody>
+      </p:sp>
     </p:spTree>
   </p:cSld>
   <p:clrMapOvr>
@@ -9628,6 +10745,35 @@
               </a:rPr>
               <a:t> Meta AIVI</a:t>
             </a:r>
+          </a:p>
+        </p:txBody>
+      </p:sp>
+      <p:sp>
+        <p:nvSpPr>
+          <p:cNvPr id="4" name="Slide Number Placeholder 3">
+            <a:extLst>
+              <a:ext uri="{FF2B5EF4-FFF2-40B4-BE49-F238E27FC236}">
+                <a16:creationId xmlns:a16="http://schemas.microsoft.com/office/drawing/2014/main" id="{27649593-1762-DA47-8EA5-95AFB38231EC}"/>
+              </a:ext>
+            </a:extLst>
+          </p:cNvPr>
+          <p:cNvSpPr>
+            <a:spLocks noGrp="1"/>
+          </p:cNvSpPr>
+          <p:nvPr>
+            <p:ph type="sldNum" sz="quarter" idx="12"/>
+          </p:nvPr>
+        </p:nvSpPr>
+        <p:spPr/>
+        <p:txBody>
+          <a:bodyPr/>
+          <a:lstStyle/>
+          <a:p>
+            <a:fld id="{C1FF6DA9-008F-8B48-92A6-B652298478BF}" type="slidenum">
+              <a:rPr lang="en-US" smtClean="0"/>
+              <a:t>9</a:t>
+            </a:fld>
+            <a:endParaRPr lang="en-US"/>
           </a:p>
         </p:txBody>
       </p:sp>
@@ -9880,4 +11026,594 @@
     </a:ext>
   </a:extLst>
 </a:theme>
+</file>
+
+<file path=ppt/theme/theme2.xml><?xml version="1.0" encoding="utf-8"?>
+<a:theme xmlns:a="http://schemas.openxmlformats.org/drawingml/2006/main" name="Office Theme">
+  <a:themeElements>
+    <a:clrScheme name="Office">
+      <a:dk1>
+        <a:sysClr val="windowText" lastClr="000000"/>
+      </a:dk1>
+      <a:lt1>
+        <a:sysClr val="window" lastClr="FFFFFF"/>
+      </a:lt1>
+      <a:dk2>
+        <a:srgbClr val="44546A"/>
+      </a:dk2>
+      <a:lt2>
+        <a:srgbClr val="E7E6E6"/>
+      </a:lt2>
+      <a:accent1>
+        <a:srgbClr val="4472C4"/>
+      </a:accent1>
+      <a:accent2>
+        <a:srgbClr val="ED7D31"/>
+      </a:accent2>
+      <a:accent3>
+        <a:srgbClr val="A5A5A5"/>
+      </a:accent3>
+      <a:accent4>
+        <a:srgbClr val="FFC000"/>
+      </a:accent4>
+      <a:accent5>
+        <a:srgbClr val="5B9BD5"/>
+      </a:accent5>
+      <a:accent6>
+        <a:srgbClr val="70AD47"/>
+      </a:accent6>
+      <a:hlink>
+        <a:srgbClr val="0563C1"/>
+      </a:hlink>
+      <a:folHlink>
+        <a:srgbClr val="954F72"/>
+      </a:folHlink>
+    </a:clrScheme>
+    <a:fontScheme name="Office">
+      <a:majorFont>
+        <a:latin typeface="Calibri Light" panose="020F0302020204030204"/>
+        <a:ea typeface=""/>
+        <a:cs typeface=""/>
+        <a:font script="Jpan" typeface="游ゴシック Light"/>
+        <a:font script="Hang" typeface="맑은 고딕"/>
+        <a:font script="Hans" typeface="等线 Light"/>
+        <a:font script="Hant" typeface="新細明體"/>
+        <a:font script="Arab" typeface="Times New Roman"/>
+        <a:font script="Hebr" typeface="Times New Roman"/>
+        <a:font script="Thai" typeface="Angsana New"/>
+        <a:font script="Ethi" typeface="Nyala"/>
+        <a:font script="Beng" typeface="Vrinda"/>
+        <a:font script="Gujr" typeface="Shruti"/>
+        <a:font script="Khmr" typeface="MoolBoran"/>
+        <a:font script="Knda" typeface="Tunga"/>
+        <a:font script="Guru" typeface="Raavi"/>
+        <a:font script="Cans" typeface="Euphemia"/>
+        <a:font script="Cher" typeface="Plantagenet Cherokee"/>
+        <a:font script="Yiii" typeface="Microsoft Yi Baiti"/>
+        <a:font script="Tibt" typeface="Microsoft Himalaya"/>
+        <a:font script="Thaa" typeface="MV Boli"/>
+        <a:font script="Deva" typeface="Mangal"/>
+        <a:font script="Telu" typeface="Gautami"/>
+        <a:font script="Taml" typeface="Latha"/>
+        <a:font script="Syrc" typeface="Estrangelo Edessa"/>
+        <a:font script="Orya" typeface="Kalinga"/>
+        <a:font script="Mlym" typeface="Kartika"/>
+        <a:font script="Laoo" typeface="DokChampa"/>
+        <a:font script="Sinh" typeface="Iskoola Pota"/>
+        <a:font script="Mong" typeface="Mongolian Baiti"/>
+        <a:font script="Viet" typeface="Times New Roman"/>
+        <a:font script="Uigh" typeface="Microsoft Uighur"/>
+        <a:font script="Geor" typeface="Sylfaen"/>
+        <a:font script="Armn" typeface="Arial"/>
+        <a:font script="Bugi" typeface="Leelawadee UI"/>
+        <a:font script="Bopo" typeface="Microsoft JhengHei"/>
+        <a:font script="Java" typeface="Javanese Text"/>
+        <a:font script="Lisu" typeface="Segoe UI"/>
+        <a:font script="Mymr" typeface="Myanmar Text"/>
+        <a:font script="Nkoo" typeface="Ebrima"/>
+        <a:font script="Olck" typeface="Nirmala UI"/>
+        <a:font script="Osma" typeface="Ebrima"/>
+        <a:font script="Phag" typeface="Phagspa"/>
+        <a:font script="Syrn" typeface="Estrangelo Edessa"/>
+        <a:font script="Syrj" typeface="Estrangelo Edessa"/>
+        <a:font script="Syre" typeface="Estrangelo Edessa"/>
+        <a:font script="Sora" typeface="Nirmala UI"/>
+        <a:font script="Tale" typeface="Microsoft Tai Le"/>
+        <a:font script="Talu" typeface="Microsoft New Tai Lue"/>
+        <a:font script="Tfng" typeface="Ebrima"/>
+      </a:majorFont>
+      <a:minorFont>
+        <a:latin typeface="Calibri" panose="020F0502020204030204"/>
+        <a:ea typeface=""/>
+        <a:cs typeface=""/>
+        <a:font script="Jpan" typeface="游ゴシック"/>
+        <a:font script="Hang" typeface="맑은 고딕"/>
+        <a:font script="Hans" typeface="等线"/>
+        <a:font script="Hant" typeface="新細明體"/>
+        <a:font script="Arab" typeface="Arial"/>
+        <a:font script="Hebr" typeface="Arial"/>
+        <a:font script="Thai" typeface="Cordia New"/>
+        <a:font script="Ethi" typeface="Nyala"/>
+        <a:font script="Beng" typeface="Vrinda"/>
+        <a:font script="Gujr" typeface="Shruti"/>
+        <a:font script="Khmr" typeface="DaunPenh"/>
+        <a:font script="Knda" typeface="Tunga"/>
+        <a:font script="Guru" typeface="Raavi"/>
+        <a:font script="Cans" typeface="Euphemia"/>
+        <a:font script="Cher" typeface="Plantagenet Cherokee"/>
+        <a:font script="Yiii" typeface="Microsoft Yi Baiti"/>
+        <a:font script="Tibt" typeface="Microsoft Himalaya"/>
+        <a:font script="Thaa" typeface="MV Boli"/>
+        <a:font script="Deva" typeface="Mangal"/>
+        <a:font script="Telu" typeface="Gautami"/>
+        <a:font script="Taml" typeface="Latha"/>
+        <a:font script="Syrc" typeface="Estrangelo Edessa"/>
+        <a:font script="Orya" typeface="Kalinga"/>
+        <a:font script="Mlym" typeface="Kartika"/>
+        <a:font script="Laoo" typeface="DokChampa"/>
+        <a:font script="Sinh" typeface="Iskoola Pota"/>
+        <a:font script="Mong" typeface="Mongolian Baiti"/>
+        <a:font script="Viet" typeface="Arial"/>
+        <a:font script="Uigh" typeface="Microsoft Uighur"/>
+        <a:font script="Geor" typeface="Sylfaen"/>
+        <a:font script="Armn" typeface="Arial"/>
+        <a:font script="Bugi" typeface="Leelawadee UI"/>
+        <a:font script="Bopo" typeface="Microsoft JhengHei"/>
+        <a:font script="Java" typeface="Javanese Text"/>
+        <a:font script="Lisu" typeface="Segoe UI"/>
+        <a:font script="Mymr" typeface="Myanmar Text"/>
+        <a:font script="Nkoo" typeface="Ebrima"/>
+        <a:font script="Olck" typeface="Nirmala UI"/>
+        <a:font script="Osma" typeface="Ebrima"/>
+        <a:font script="Phag" typeface="Phagspa"/>
+        <a:font script="Syrn" typeface="Estrangelo Edessa"/>
+        <a:font script="Syrj" typeface="Estrangelo Edessa"/>
+        <a:font script="Syre" typeface="Estrangelo Edessa"/>
+        <a:font script="Sora" typeface="Nirmala UI"/>
+        <a:font script="Tale" typeface="Microsoft Tai Le"/>
+        <a:font script="Talu" typeface="Microsoft New Tai Lue"/>
+        <a:font script="Tfng" typeface="Ebrima"/>
+      </a:minorFont>
+    </a:fontScheme>
+    <a:fmtScheme name="Office">
+      <a:fillStyleLst>
+        <a:solidFill>
+          <a:schemeClr val="phClr"/>
+        </a:solidFill>
+        <a:gradFill rotWithShape="1">
+          <a:gsLst>
+            <a:gs pos="0">
+              <a:schemeClr val="phClr">
+                <a:lumMod val="110000"/>
+                <a:satMod val="105000"/>
+                <a:tint val="67000"/>
+              </a:schemeClr>
+            </a:gs>
+            <a:gs pos="50000">
+              <a:schemeClr val="phClr">
+                <a:lumMod val="105000"/>
+                <a:satMod val="103000"/>
+                <a:tint val="73000"/>
+              </a:schemeClr>
+            </a:gs>
+            <a:gs pos="100000">
+              <a:schemeClr val="phClr">
+                <a:lumMod val="105000"/>
+                <a:satMod val="109000"/>
+                <a:tint val="81000"/>
+              </a:schemeClr>
+            </a:gs>
+          </a:gsLst>
+          <a:lin ang="5400000" scaled="0"/>
+        </a:gradFill>
+        <a:gradFill rotWithShape="1">
+          <a:gsLst>
+            <a:gs pos="0">
+              <a:schemeClr val="phClr">
+                <a:satMod val="103000"/>
+                <a:lumMod val="102000"/>
+                <a:tint val="94000"/>
+              </a:schemeClr>
+            </a:gs>
+            <a:gs pos="50000">
+              <a:schemeClr val="phClr">
+                <a:satMod val="110000"/>
+                <a:lumMod val="100000"/>
+                <a:shade val="100000"/>
+              </a:schemeClr>
+            </a:gs>
+            <a:gs pos="100000">
+              <a:schemeClr val="phClr">
+                <a:lumMod val="99000"/>
+                <a:satMod val="120000"/>
+                <a:shade val="78000"/>
+              </a:schemeClr>
+            </a:gs>
+          </a:gsLst>
+          <a:lin ang="5400000" scaled="0"/>
+        </a:gradFill>
+      </a:fillStyleLst>
+      <a:lnStyleLst>
+        <a:ln w="6350" cap="flat" cmpd="sng" algn="ctr">
+          <a:solidFill>
+            <a:schemeClr val="phClr"/>
+          </a:solidFill>
+          <a:prstDash val="solid"/>
+          <a:miter lim="800000"/>
+        </a:ln>
+        <a:ln w="12700" cap="flat" cmpd="sng" algn="ctr">
+          <a:solidFill>
+            <a:schemeClr val="phClr"/>
+          </a:solidFill>
+          <a:prstDash val="solid"/>
+          <a:miter lim="800000"/>
+        </a:ln>
+        <a:ln w="19050" cap="flat" cmpd="sng" algn="ctr">
+          <a:solidFill>
+            <a:schemeClr val="phClr"/>
+          </a:solidFill>
+          <a:prstDash val="solid"/>
+          <a:miter lim="800000"/>
+        </a:ln>
+      </a:lnStyleLst>
+      <a:effectStyleLst>
+        <a:effectStyle>
+          <a:effectLst/>
+        </a:effectStyle>
+        <a:effectStyle>
+          <a:effectLst/>
+        </a:effectStyle>
+        <a:effectStyle>
+          <a:effectLst>
+            <a:outerShdw blurRad="57150" dist="19050" dir="5400000" algn="ctr" rotWithShape="0">
+              <a:srgbClr val="000000">
+                <a:alpha val="63000"/>
+              </a:srgbClr>
+            </a:outerShdw>
+          </a:effectLst>
+        </a:effectStyle>
+      </a:effectStyleLst>
+      <a:bgFillStyleLst>
+        <a:solidFill>
+          <a:schemeClr val="phClr"/>
+        </a:solidFill>
+        <a:solidFill>
+          <a:schemeClr val="phClr">
+            <a:tint val="95000"/>
+            <a:satMod val="170000"/>
+          </a:schemeClr>
+        </a:solidFill>
+        <a:gradFill rotWithShape="1">
+          <a:gsLst>
+            <a:gs pos="0">
+              <a:schemeClr val="phClr">
+                <a:tint val="93000"/>
+                <a:satMod val="150000"/>
+                <a:shade val="98000"/>
+                <a:lumMod val="102000"/>
+              </a:schemeClr>
+            </a:gs>
+            <a:gs pos="50000">
+              <a:schemeClr val="phClr">
+                <a:tint val="98000"/>
+                <a:satMod val="130000"/>
+                <a:shade val="90000"/>
+                <a:lumMod val="103000"/>
+              </a:schemeClr>
+            </a:gs>
+            <a:gs pos="100000">
+              <a:schemeClr val="phClr">
+                <a:shade val="63000"/>
+                <a:satMod val="120000"/>
+              </a:schemeClr>
+            </a:gs>
+          </a:gsLst>
+          <a:lin ang="5400000" scaled="0"/>
+        </a:gradFill>
+      </a:bgFillStyleLst>
+    </a:fmtScheme>
+  </a:themeElements>
+  <a:objectDefaults/>
+  <a:extraClrSchemeLst/>
+  <a:extLst>
+    <a:ext uri="{05A4C25C-085E-4340-85A3-A5531E510DB2}">
+      <thm15:themeFamily xmlns:thm15="http://schemas.microsoft.com/office/thememl/2012/main" name="Office Theme" id="{62F939B6-93AF-4DB8-9C6B-D6C7DFDC589F}" vid="{4A3C46E8-61CC-4603-A589-7422A47A8E4A}"/>
+    </a:ext>
+  </a:extLst>
+</a:theme>
+</file>
+
+<file path=ppt/theme/theme3.xml><?xml version="1.0" encoding="utf-8"?>
+<a:theme xmlns:a="http://schemas.openxmlformats.org/drawingml/2006/main" name="Office Theme">
+  <a:themeElements>
+    <a:clrScheme name="Office">
+      <a:dk1>
+        <a:sysClr val="windowText" lastClr="000000"/>
+      </a:dk1>
+      <a:lt1>
+        <a:sysClr val="window" lastClr="FFFFFF"/>
+      </a:lt1>
+      <a:dk2>
+        <a:srgbClr val="44546A"/>
+      </a:dk2>
+      <a:lt2>
+        <a:srgbClr val="E7E6E6"/>
+      </a:lt2>
+      <a:accent1>
+        <a:srgbClr val="4472C4"/>
+      </a:accent1>
+      <a:accent2>
+        <a:srgbClr val="ED7D31"/>
+      </a:accent2>
+      <a:accent3>
+        <a:srgbClr val="A5A5A5"/>
+      </a:accent3>
+      <a:accent4>
+        <a:srgbClr val="FFC000"/>
+      </a:accent4>
+      <a:accent5>
+        <a:srgbClr val="5B9BD5"/>
+      </a:accent5>
+      <a:accent6>
+        <a:srgbClr val="70AD47"/>
+      </a:accent6>
+      <a:hlink>
+        <a:srgbClr val="0563C1"/>
+      </a:hlink>
+      <a:folHlink>
+        <a:srgbClr val="954F72"/>
+      </a:folHlink>
+    </a:clrScheme>
+    <a:fontScheme name="Office">
+      <a:majorFont>
+        <a:latin typeface="Calibri Light" panose="020F0302020204030204"/>
+        <a:ea typeface=""/>
+        <a:cs typeface=""/>
+        <a:font script="Jpan" typeface="游ゴシック Light"/>
+        <a:font script="Hang" typeface="맑은 고딕"/>
+        <a:font script="Hans" typeface="等线 Light"/>
+        <a:font script="Hant" typeface="新細明體"/>
+        <a:font script="Arab" typeface="Times New Roman"/>
+        <a:font script="Hebr" typeface="Times New Roman"/>
+        <a:font script="Thai" typeface="Angsana New"/>
+        <a:font script="Ethi" typeface="Nyala"/>
+        <a:font script="Beng" typeface="Vrinda"/>
+        <a:font script="Gujr" typeface="Shruti"/>
+        <a:font script="Khmr" typeface="MoolBoran"/>
+        <a:font script="Knda" typeface="Tunga"/>
+        <a:font script="Guru" typeface="Raavi"/>
+        <a:font script="Cans" typeface="Euphemia"/>
+        <a:font script="Cher" typeface="Plantagenet Cherokee"/>
+        <a:font script="Yiii" typeface="Microsoft Yi Baiti"/>
+        <a:font script="Tibt" typeface="Microsoft Himalaya"/>
+        <a:font script="Thaa" typeface="MV Boli"/>
+        <a:font script="Deva" typeface="Mangal"/>
+        <a:font script="Telu" typeface="Gautami"/>
+        <a:font script="Taml" typeface="Latha"/>
+        <a:font script="Syrc" typeface="Estrangelo Edessa"/>
+        <a:font script="Orya" typeface="Kalinga"/>
+        <a:font script="Mlym" typeface="Kartika"/>
+        <a:font script="Laoo" typeface="DokChampa"/>
+        <a:font script="Sinh" typeface="Iskoola Pota"/>
+        <a:font script="Mong" typeface="Mongolian Baiti"/>
+        <a:font script="Viet" typeface="Times New Roman"/>
+        <a:font script="Uigh" typeface="Microsoft Uighur"/>
+        <a:font script="Geor" typeface="Sylfaen"/>
+        <a:font script="Armn" typeface="Arial"/>
+        <a:font script="Bugi" typeface="Leelawadee UI"/>
+        <a:font script="Bopo" typeface="Microsoft JhengHei"/>
+        <a:font script="Java" typeface="Javanese Text"/>
+        <a:font script="Lisu" typeface="Segoe UI"/>
+        <a:font script="Mymr" typeface="Myanmar Text"/>
+        <a:font script="Nkoo" typeface="Ebrima"/>
+        <a:font script="Olck" typeface="Nirmala UI"/>
+        <a:font script="Osma" typeface="Ebrima"/>
+        <a:font script="Phag" typeface="Phagspa"/>
+        <a:font script="Syrn" typeface="Estrangelo Edessa"/>
+        <a:font script="Syrj" typeface="Estrangelo Edessa"/>
+        <a:font script="Syre" typeface="Estrangelo Edessa"/>
+        <a:font script="Sora" typeface="Nirmala UI"/>
+        <a:font script="Tale" typeface="Microsoft Tai Le"/>
+        <a:font script="Talu" typeface="Microsoft New Tai Lue"/>
+        <a:font script="Tfng" typeface="Ebrima"/>
+      </a:majorFont>
+      <a:minorFont>
+        <a:latin typeface="Calibri" panose="020F0502020204030204"/>
+        <a:ea typeface=""/>
+        <a:cs typeface=""/>
+        <a:font script="Jpan" typeface="游ゴシック"/>
+        <a:font script="Hang" typeface="맑은 고딕"/>
+        <a:font script="Hans" typeface="等线"/>
+        <a:font script="Hant" typeface="新細明體"/>
+        <a:font script="Arab" typeface="Arial"/>
+        <a:font script="Hebr" typeface="Arial"/>
+        <a:font script="Thai" typeface="Cordia New"/>
+        <a:font script="Ethi" typeface="Nyala"/>
+        <a:font script="Beng" typeface="Vrinda"/>
+        <a:font script="Gujr" typeface="Shruti"/>
+        <a:font script="Khmr" typeface="DaunPenh"/>
+        <a:font script="Knda" typeface="Tunga"/>
+        <a:font script="Guru" typeface="Raavi"/>
+        <a:font script="Cans" typeface="Euphemia"/>
+        <a:font script="Cher" typeface="Plantagenet Cherokee"/>
+        <a:font script="Yiii" typeface="Microsoft Yi Baiti"/>
+        <a:font script="Tibt" typeface="Microsoft Himalaya"/>
+        <a:font script="Thaa" typeface="MV Boli"/>
+        <a:font script="Deva" typeface="Mangal"/>
+        <a:font script="Telu" typeface="Gautami"/>
+        <a:font script="Taml" typeface="Latha"/>
+        <a:font script="Syrc" typeface="Estrangelo Edessa"/>
+        <a:font script="Orya" typeface="Kalinga"/>
+        <a:font script="Mlym" typeface="Kartika"/>
+        <a:font script="Laoo" typeface="DokChampa"/>
+        <a:font script="Sinh" typeface="Iskoola Pota"/>
+        <a:font script="Mong" typeface="Mongolian Baiti"/>
+        <a:font script="Viet" typeface="Arial"/>
+        <a:font script="Uigh" typeface="Microsoft Uighur"/>
+        <a:font script="Geor" typeface="Sylfaen"/>
+        <a:font script="Armn" typeface="Arial"/>
+        <a:font script="Bugi" typeface="Leelawadee UI"/>
+        <a:font script="Bopo" typeface="Microsoft JhengHei"/>
+        <a:font script="Java" typeface="Javanese Text"/>
+        <a:font script="Lisu" typeface="Segoe UI"/>
+        <a:font script="Mymr" typeface="Myanmar Text"/>
+        <a:font script="Nkoo" typeface="Ebrima"/>
+        <a:font script="Olck" typeface="Nirmala UI"/>
+        <a:font script="Osma" typeface="Ebrima"/>
+        <a:font script="Phag" typeface="Phagspa"/>
+        <a:font script="Syrn" typeface="Estrangelo Edessa"/>
+        <a:font script="Syrj" typeface="Estrangelo Edessa"/>
+        <a:font script="Syre" typeface="Estrangelo Edessa"/>
+        <a:font script="Sora" typeface="Nirmala UI"/>
+        <a:font script="Tale" typeface="Microsoft Tai Le"/>
+        <a:font script="Talu" typeface="Microsoft New Tai Lue"/>
+        <a:font script="Tfng" typeface="Ebrima"/>
+      </a:minorFont>
+    </a:fontScheme>
+    <a:fmtScheme name="Office">
+      <a:fillStyleLst>
+        <a:solidFill>
+          <a:schemeClr val="phClr"/>
+        </a:solidFill>
+        <a:gradFill rotWithShape="1">
+          <a:gsLst>
+            <a:gs pos="0">
+              <a:schemeClr val="phClr">
+                <a:lumMod val="110000"/>
+                <a:satMod val="105000"/>
+                <a:tint val="67000"/>
+              </a:schemeClr>
+            </a:gs>
+            <a:gs pos="50000">
+              <a:schemeClr val="phClr">
+                <a:lumMod val="105000"/>
+                <a:satMod val="103000"/>
+                <a:tint val="73000"/>
+              </a:schemeClr>
+            </a:gs>
+            <a:gs pos="100000">
+              <a:schemeClr val="phClr">
+                <a:lumMod val="105000"/>
+                <a:satMod val="109000"/>
+                <a:tint val="81000"/>
+              </a:schemeClr>
+            </a:gs>
+          </a:gsLst>
+          <a:lin ang="5400000" scaled="0"/>
+        </a:gradFill>
+        <a:gradFill rotWithShape="1">
+          <a:gsLst>
+            <a:gs pos="0">
+              <a:schemeClr val="phClr">
+                <a:satMod val="103000"/>
+                <a:lumMod val="102000"/>
+                <a:tint val="94000"/>
+              </a:schemeClr>
+            </a:gs>
+            <a:gs pos="50000">
+              <a:schemeClr val="phClr">
+                <a:satMod val="110000"/>
+                <a:lumMod val="100000"/>
+                <a:shade val="100000"/>
+              </a:schemeClr>
+            </a:gs>
+            <a:gs pos="100000">
+              <a:schemeClr val="phClr">
+                <a:lumMod val="99000"/>
+                <a:satMod val="120000"/>
+                <a:shade val="78000"/>
+              </a:schemeClr>
+            </a:gs>
+          </a:gsLst>
+          <a:lin ang="5400000" scaled="0"/>
+        </a:gradFill>
+      </a:fillStyleLst>
+      <a:lnStyleLst>
+        <a:ln w="6350" cap="flat" cmpd="sng" algn="ctr">
+          <a:solidFill>
+            <a:schemeClr val="phClr"/>
+          </a:solidFill>
+          <a:prstDash val="solid"/>
+          <a:miter lim="800000"/>
+        </a:ln>
+        <a:ln w="12700" cap="flat" cmpd="sng" algn="ctr">
+          <a:solidFill>
+            <a:schemeClr val="phClr"/>
+          </a:solidFill>
+          <a:prstDash val="solid"/>
+          <a:miter lim="800000"/>
+        </a:ln>
+        <a:ln w="19050" cap="flat" cmpd="sng" algn="ctr">
+          <a:solidFill>
+            <a:schemeClr val="phClr"/>
+          </a:solidFill>
+          <a:prstDash val="solid"/>
+          <a:miter lim="800000"/>
+        </a:ln>
+      </a:lnStyleLst>
+      <a:effectStyleLst>
+        <a:effectStyle>
+          <a:effectLst/>
+        </a:effectStyle>
+        <a:effectStyle>
+          <a:effectLst/>
+        </a:effectStyle>
+        <a:effectStyle>
+          <a:effectLst>
+            <a:outerShdw blurRad="57150" dist="19050" dir="5400000" algn="ctr" rotWithShape="0">
+              <a:srgbClr val="000000">
+                <a:alpha val="63000"/>
+              </a:srgbClr>
+            </a:outerShdw>
+          </a:effectLst>
+        </a:effectStyle>
+      </a:effectStyleLst>
+      <a:bgFillStyleLst>
+        <a:solidFill>
+          <a:schemeClr val="phClr"/>
+        </a:solidFill>
+        <a:solidFill>
+          <a:schemeClr val="phClr">
+            <a:tint val="95000"/>
+            <a:satMod val="170000"/>
+          </a:schemeClr>
+        </a:solidFill>
+        <a:gradFill rotWithShape="1">
+          <a:gsLst>
+            <a:gs pos="0">
+              <a:schemeClr val="phClr">
+                <a:tint val="93000"/>
+                <a:satMod val="150000"/>
+                <a:shade val="98000"/>
+                <a:lumMod val="102000"/>
+              </a:schemeClr>
+            </a:gs>
+            <a:gs pos="50000">
+              <a:schemeClr val="phClr">
+                <a:tint val="98000"/>
+                <a:satMod val="130000"/>
+                <a:shade val="90000"/>
+                <a:lumMod val="103000"/>
+              </a:schemeClr>
+            </a:gs>
+            <a:gs pos="100000">
+              <a:schemeClr val="phClr">
+                <a:shade val="63000"/>
+                <a:satMod val="120000"/>
+              </a:schemeClr>
+            </a:gs>
+          </a:gsLst>
+          <a:lin ang="5400000" scaled="0"/>
+        </a:gradFill>
+      </a:bgFillStyleLst>
+    </a:fmtScheme>
+  </a:themeElements>
+  <a:objectDefaults/>
+  <a:extraClrSchemeLst/>
+  <a:extLst>
+    <a:ext uri="{05A4C25C-085E-4340-85A3-A5531E510DB2}">
+      <thm15:themeFamily xmlns:thm15="http://schemas.microsoft.com/office/thememl/2012/main" name="Office Theme" id="{62F939B6-93AF-4DB8-9C6B-D6C7DFDC589F}" vid="{4A3C46E8-61CC-4603-A589-7422A47A8E4A}"/>
+    </a:ext>
+  </a:extLst>
+</a:theme>
 </file>
--- a/Vuforia_Unity_MetaAIVI_Intro_Presentation.pptx
+++ b/Vuforia_Unity_MetaAIVI_Intro_Presentation.pptx
@@ -5,10 +5,10 @@
     <p:sldMasterId id="2147483660" r:id="rId1"/>
   </p:sldMasterIdLst>
   <p:notesMasterIdLst>
-    <p:notesMasterId r:id="rId15"/>
+    <p:notesMasterId r:id="rId16"/>
   </p:notesMasterIdLst>
   <p:handoutMasterIdLst>
-    <p:handoutMasterId r:id="rId16"/>
+    <p:handoutMasterId r:id="rId17"/>
   </p:handoutMasterIdLst>
   <p:sldIdLst>
     <p:sldId id="256" r:id="rId2"/>
@@ -19,11 +19,12 @@
     <p:sldId id="261" r:id="rId7"/>
     <p:sldId id="262" r:id="rId8"/>
     <p:sldId id="263" r:id="rId9"/>
-    <p:sldId id="264" r:id="rId10"/>
-    <p:sldId id="268" r:id="rId11"/>
-    <p:sldId id="265" r:id="rId12"/>
-    <p:sldId id="266" r:id="rId13"/>
-    <p:sldId id="267" r:id="rId14"/>
+    <p:sldId id="269" r:id="rId10"/>
+    <p:sldId id="264" r:id="rId11"/>
+    <p:sldId id="268" r:id="rId12"/>
+    <p:sldId id="265" r:id="rId13"/>
+    <p:sldId id="266" r:id="rId14"/>
+    <p:sldId id="267" r:id="rId15"/>
   </p:sldIdLst>
   <p:sldSz cx="9144000" cy="6858000" type="screen4x3"/>
   <p:notesSz cx="6858000" cy="9144000"/>
@@ -8511,37 +8512,239 @@
           </a:xfrm>
         </p:spPr>
         <p:txBody>
-          <a:bodyPr anchor="ctr">
+          <a:bodyPr>
             <a:noAutofit/>
           </a:bodyPr>
           <a:lstStyle/>
           <a:p>
-            <a:pPr marL="0" indent="0" algn="ctr">
+            <a:pPr marL="0" indent="0">
               <a:buNone/>
             </a:pPr>
             <a:r>
-              <a:rPr lang="en-US" sz="3000" b="1" dirty="0">
-                <a:latin typeface="Times New Roman" panose="02020603050405020304" pitchFamily="18" charset="0"/>
-                <a:cs typeface="Times New Roman" panose="02020603050405020304" pitchFamily="18" charset="0"/>
-              </a:rPr>
-              <a:t>Sample code review</a:t>
-            </a:r>
-          </a:p>
-          <a:p>
-            <a:pPr marL="0" indent="0" algn="ctr">
-              <a:buNone/>
-            </a:pPr>
-            <a:r>
-              <a:rPr lang="en-US" sz="3000" b="1" dirty="0">
-                <a:latin typeface="Times New Roman" panose="02020603050405020304" pitchFamily="18" charset="0"/>
-                <a:cs typeface="Times New Roman" panose="02020603050405020304" pitchFamily="18" charset="0"/>
-              </a:rPr>
-              <a:t>(30 mins)</a:t>
-            </a:r>
-            <a:endParaRPr lang="en-US" sz="3000" dirty="0">
+              <a:rPr lang="en-US" sz="1600" b="1" dirty="0">
+                <a:latin typeface="Times New Roman" panose="02020603050405020304" pitchFamily="18" charset="0"/>
+                <a:cs typeface="Times New Roman" panose="02020603050405020304" pitchFamily="18" charset="0"/>
+              </a:rPr>
+              <a:t>Requirements &amp; Setup</a:t>
+            </a:r>
+            <a:endParaRPr lang="en-US" sz="1600" dirty="0">
               <a:latin typeface="Times New Roman" panose="02020603050405020304" pitchFamily="18" charset="0"/>
               <a:cs typeface="Times New Roman" panose="02020603050405020304" pitchFamily="18" charset="0"/>
             </a:endParaRPr>
+          </a:p>
+          <a:p>
+            <a:pPr marL="0" indent="0">
+              <a:buNone/>
+            </a:pPr>
+            <a:r>
+              <a:rPr lang="en-US" sz="1600" b="1" dirty="0">
+                <a:latin typeface="Times New Roman" panose="02020603050405020304" pitchFamily="18" charset="0"/>
+                <a:cs typeface="Times New Roman" panose="02020603050405020304" pitchFamily="18" charset="0"/>
+              </a:rPr>
+              <a:t>1. Vuforia</a:t>
+            </a:r>
+          </a:p>
+          <a:p>
+            <a:r>
+              <a:rPr lang="en-US" sz="1600" dirty="0">
+                <a:latin typeface="Times New Roman" panose="02020603050405020304" pitchFamily="18" charset="0"/>
+                <a:cs typeface="Times New Roman" panose="02020603050405020304" pitchFamily="18" charset="0"/>
+              </a:rPr>
+              <a:t>Obtain a Vuforia license key.</a:t>
+            </a:r>
+          </a:p>
+          <a:p>
+            <a:r>
+              <a:rPr lang="en-US" sz="1600" dirty="0">
+                <a:latin typeface="Times New Roman" panose="02020603050405020304" pitchFamily="18" charset="0"/>
+                <a:cs typeface="Times New Roman" panose="02020603050405020304" pitchFamily="18" charset="0"/>
+              </a:rPr>
+              <a:t>Prepare a 3D model of the air compressor.</a:t>
+            </a:r>
+          </a:p>
+          <a:p>
+            <a:r>
+              <a:rPr lang="en-US" sz="1600" dirty="0">
+                <a:latin typeface="Times New Roman" panose="02020603050405020304" pitchFamily="18" charset="0"/>
+                <a:cs typeface="Times New Roman" panose="02020603050405020304" pitchFamily="18" charset="0"/>
+              </a:rPr>
+              <a:t>Use </a:t>
+            </a:r>
+            <a:r>
+              <a:rPr lang="en-US" sz="1600" b="1" dirty="0">
+                <a:latin typeface="Times New Roman" panose="02020603050405020304" pitchFamily="18" charset="0"/>
+                <a:cs typeface="Times New Roman" panose="02020603050405020304" pitchFamily="18" charset="0"/>
+              </a:rPr>
+              <a:t>Vuforia Model Target Generator</a:t>
+            </a:r>
+            <a:r>
+              <a:rPr lang="en-US" sz="1600" dirty="0">
+                <a:latin typeface="Times New Roman" panose="02020603050405020304" pitchFamily="18" charset="0"/>
+                <a:cs typeface="Times New Roman" panose="02020603050405020304" pitchFamily="18" charset="0"/>
+              </a:rPr>
+              <a:t> or </a:t>
+            </a:r>
+            <a:r>
+              <a:rPr lang="en-US" sz="1600" b="1" dirty="0" err="1">
+                <a:latin typeface="Times New Roman" panose="02020603050405020304" pitchFamily="18" charset="0"/>
+                <a:cs typeface="Times New Roman" panose="02020603050405020304" pitchFamily="18" charset="0"/>
+              </a:rPr>
+              <a:t>Polycam</a:t>
+            </a:r>
+            <a:r>
+              <a:rPr lang="en-US" sz="1600" dirty="0">
+                <a:latin typeface="Times New Roman" panose="02020603050405020304" pitchFamily="18" charset="0"/>
+                <a:cs typeface="Times New Roman" panose="02020603050405020304" pitchFamily="18" charset="0"/>
+              </a:rPr>
+              <a:t> for scanning.</a:t>
+            </a:r>
+          </a:p>
+          <a:p>
+            <a:pPr marL="0" indent="0">
+              <a:buNone/>
+            </a:pPr>
+            <a:r>
+              <a:rPr lang="en-US" sz="1600" b="1" dirty="0">
+                <a:latin typeface="Times New Roman" panose="02020603050405020304" pitchFamily="18" charset="0"/>
+                <a:cs typeface="Times New Roman" panose="02020603050405020304" pitchFamily="18" charset="0"/>
+              </a:rPr>
+              <a:t>2. Meta AIVI</a:t>
+            </a:r>
+          </a:p>
+          <a:p>
+            <a:r>
+              <a:rPr lang="en-US" sz="1600" dirty="0">
+                <a:latin typeface="Times New Roman" panose="02020603050405020304" pitchFamily="18" charset="0"/>
+                <a:cs typeface="Times New Roman" panose="02020603050405020304" pitchFamily="18" charset="0"/>
+              </a:rPr>
+              <a:t>Set up a project on the Meta AIVI server.</a:t>
+            </a:r>
+          </a:p>
+          <a:p>
+            <a:r>
+              <a:rPr lang="en-US" sz="1600" dirty="0">
+                <a:latin typeface="Times New Roman" panose="02020603050405020304" pitchFamily="18" charset="0"/>
+                <a:cs typeface="Times New Roman" panose="02020603050405020304" pitchFamily="18" charset="0"/>
+              </a:rPr>
+              <a:t>Train or configure the AI model for the air compressor.</a:t>
+            </a:r>
+          </a:p>
+          <a:p>
+            <a:pPr marL="0" indent="0">
+              <a:buNone/>
+            </a:pPr>
+            <a:r>
+              <a:rPr lang="en-US" sz="1600" dirty="0">
+                <a:latin typeface="Times New Roman" panose="02020603050405020304" pitchFamily="18" charset="0"/>
+                <a:cs typeface="Times New Roman" panose="02020603050405020304" pitchFamily="18" charset="0"/>
+              </a:rPr>
+              <a:t>3. </a:t>
+            </a:r>
+            <a:r>
+              <a:rPr lang="en-US" sz="1600" b="1" dirty="0">
+                <a:latin typeface="Times New Roman" panose="02020603050405020304" pitchFamily="18" charset="0"/>
+                <a:cs typeface="Times New Roman" panose="02020603050405020304" pitchFamily="18" charset="0"/>
+              </a:rPr>
+              <a:t>Unity (with Vuforia Integration)</a:t>
+            </a:r>
+          </a:p>
+          <a:p>
+            <a:r>
+              <a:rPr lang="en-US" sz="1600" dirty="0">
+                <a:latin typeface="Times New Roman" panose="02020603050405020304" pitchFamily="18" charset="0"/>
+                <a:cs typeface="Times New Roman" panose="02020603050405020304" pitchFamily="18" charset="0"/>
+              </a:rPr>
+              <a:t>Import and configure the 3D model as a Model Target.</a:t>
+            </a:r>
+          </a:p>
+          <a:p>
+            <a:r>
+              <a:rPr lang="en-US" sz="1600" dirty="0">
+                <a:latin typeface="Times New Roman" panose="02020603050405020304" pitchFamily="18" charset="0"/>
+                <a:cs typeface="Times New Roman" panose="02020603050405020304" pitchFamily="18" charset="0"/>
+              </a:rPr>
+              <a:t>Set up the </a:t>
+            </a:r>
+            <a:r>
+              <a:rPr lang="en-US" sz="1600" b="1" dirty="0" err="1">
+                <a:latin typeface="Times New Roman" panose="02020603050405020304" pitchFamily="18" charset="0"/>
+                <a:cs typeface="Times New Roman" panose="02020603050405020304" pitchFamily="18" charset="0"/>
+              </a:rPr>
+              <a:t>ARCamera</a:t>
+            </a:r>
+            <a:r>
+              <a:rPr lang="en-US" sz="1600" dirty="0">
+                <a:latin typeface="Times New Roman" panose="02020603050405020304" pitchFamily="18" charset="0"/>
+                <a:cs typeface="Times New Roman" panose="02020603050405020304" pitchFamily="18" charset="0"/>
+              </a:rPr>
+              <a:t> and place virtual content over the 3D model.</a:t>
+            </a:r>
+          </a:p>
+          <a:p>
+            <a:r>
+              <a:rPr lang="en-US" sz="1600" dirty="0">
+                <a:latin typeface="Times New Roman" panose="02020603050405020304" pitchFamily="18" charset="0"/>
+                <a:cs typeface="Times New Roman" panose="02020603050405020304" pitchFamily="18" charset="0"/>
+              </a:rPr>
+              <a:t>Access the </a:t>
+            </a:r>
+            <a:r>
+              <a:rPr lang="en-US" sz="1600" b="1" dirty="0">
+                <a:latin typeface="Times New Roman" panose="02020603050405020304" pitchFamily="18" charset="0"/>
+                <a:cs typeface="Times New Roman" panose="02020603050405020304" pitchFamily="18" charset="0"/>
+              </a:rPr>
+              <a:t>camera feed</a:t>
+            </a:r>
+            <a:r>
+              <a:rPr lang="en-US" sz="1600" dirty="0">
+                <a:latin typeface="Times New Roman" panose="02020603050405020304" pitchFamily="18" charset="0"/>
+                <a:cs typeface="Times New Roman" panose="02020603050405020304" pitchFamily="18" charset="0"/>
+              </a:rPr>
+              <a:t> in Unity.</a:t>
+            </a:r>
+          </a:p>
+          <a:p>
+            <a:r>
+              <a:rPr lang="en-US" sz="1600" dirty="0">
+                <a:latin typeface="Times New Roman" panose="02020603050405020304" pitchFamily="18" charset="0"/>
+                <a:cs typeface="Times New Roman" panose="02020603050405020304" pitchFamily="18" charset="0"/>
+              </a:rPr>
+              <a:t>Send the image/frame to Meta AIVI for </a:t>
+            </a:r>
+            <a:r>
+              <a:rPr lang="en-US" sz="1600" b="1" dirty="0">
+                <a:latin typeface="Times New Roman" panose="02020603050405020304" pitchFamily="18" charset="0"/>
+                <a:cs typeface="Times New Roman" panose="02020603050405020304" pitchFamily="18" charset="0"/>
+              </a:rPr>
+              <a:t>inference.</a:t>
+            </a:r>
+            <a:endParaRPr lang="en-US" sz="1600" dirty="0">
+              <a:latin typeface="Times New Roman" panose="02020603050405020304" pitchFamily="18" charset="0"/>
+              <a:cs typeface="Times New Roman" panose="02020603050405020304" pitchFamily="18" charset="0"/>
+            </a:endParaRPr>
+          </a:p>
+          <a:p>
+            <a:r>
+              <a:rPr lang="en-US" sz="1600" dirty="0">
+                <a:latin typeface="Times New Roman" panose="02020603050405020304" pitchFamily="18" charset="0"/>
+                <a:cs typeface="Times New Roman" panose="02020603050405020304" pitchFamily="18" charset="0"/>
+              </a:rPr>
+              <a:t>Receive and </a:t>
+            </a:r>
+            <a:r>
+              <a:rPr lang="en-US" sz="1600" b="1" dirty="0">
+                <a:latin typeface="Times New Roman" panose="02020603050405020304" pitchFamily="18" charset="0"/>
+                <a:cs typeface="Times New Roman" panose="02020603050405020304" pitchFamily="18" charset="0"/>
+              </a:rPr>
+              <a:t>display AI results</a:t>
+            </a:r>
+            <a:r>
+              <a:rPr lang="en-US" sz="1600" dirty="0">
+                <a:latin typeface="Times New Roman" panose="02020603050405020304" pitchFamily="18" charset="0"/>
+                <a:cs typeface="Times New Roman" panose="02020603050405020304" pitchFamily="18" charset="0"/>
+              </a:rPr>
+              <a:t> (e.g., diagnostics, labels, instructions).</a:t>
+            </a:r>
           </a:p>
         </p:txBody>
       </p:sp>
@@ -8655,7 +8858,7 @@
           <p:cNvPr id="4" name="Slide Number Placeholder 3">
             <a:extLst>
               <a:ext uri="{FF2B5EF4-FFF2-40B4-BE49-F238E27FC236}">
-                <a16:creationId xmlns:a16="http://schemas.microsoft.com/office/drawing/2014/main" id="{E21B78B1-BF02-E943-B5DB-2C2162F812AE}"/>
+                <a16:creationId xmlns:a16="http://schemas.microsoft.com/office/drawing/2014/main" id="{27649593-1762-DA47-8EA5-95AFB38231EC}"/>
               </a:ext>
             </a:extLst>
           </p:cNvPr>
@@ -8680,11 +8883,6 @@
         </p:txBody>
       </p:sp>
     </p:spTree>
-    <p:extLst>
-      <p:ext uri="{BB962C8B-B14F-4D97-AF65-F5344CB8AC3E}">
-        <p14:creationId xmlns:p14="http://schemas.microsoft.com/office/powerpoint/2010/main" val="1098156412"/>
-      </p:ext>
-    </p:extLst>
   </p:cSld>
   <p:clrMapOvr>
     <a:masterClrMapping/>
@@ -8719,18 +8917,27 @@
             <p:ph type="title"/>
           </p:nvPr>
         </p:nvSpPr>
-        <p:spPr/>
+        <p:spPr>
+          <a:xfrm>
+            <a:off x="1509773" y="622299"/>
+            <a:ext cx="6589199" cy="1280890"/>
+          </a:xfrm>
+        </p:spPr>
         <p:txBody>
           <a:bodyPr/>
           <a:lstStyle/>
           <a:p>
             <a:r>
-              <a:rPr>
-                <a:latin typeface="Times New Roman" panose="02020603050405020304" pitchFamily="18" charset="0"/>
-                <a:cs typeface="Times New Roman" panose="02020603050405020304" pitchFamily="18" charset="0"/>
-              </a:rPr>
-              <a:t>Tips &amp; Best Practices</a:t>
-            </a:r>
+              <a:rPr lang="en-US" dirty="0">
+                <a:latin typeface="Times New Roman" panose="02020603050405020304" pitchFamily="18" charset="0"/>
+                <a:cs typeface="Times New Roman" panose="02020603050405020304" pitchFamily="18" charset="0"/>
+              </a:rPr>
+              <a:t>Practice Topic</a:t>
+            </a:r>
+            <a:endParaRPr dirty="0">
+              <a:latin typeface="Times New Roman" panose="02020603050405020304" pitchFamily="18" charset="0"/>
+              <a:cs typeface="Times New Roman" panose="02020603050405020304" pitchFamily="18" charset="0"/>
+            </a:endParaRPr>
           </a:p>
         </p:txBody>
       </p:sp>
@@ -8744,44 +8951,148 @@
             <p:ph idx="1"/>
           </p:nvPr>
         </p:nvSpPr>
-        <p:spPr/>
-        <p:txBody>
-          <a:bodyPr/>
+        <p:spPr>
+          <a:xfrm>
+            <a:off x="1070142" y="1306288"/>
+            <a:ext cx="6128657" cy="5203370"/>
+          </a:xfrm>
+        </p:spPr>
+        <p:txBody>
+          <a:bodyPr anchor="ctr">
+            <a:noAutofit/>
+          </a:bodyPr>
           <a:lstStyle/>
           <a:p>
-            <a:r>
-              <a:rPr dirty="0">
-                <a:latin typeface="Times New Roman" panose="02020603050405020304" pitchFamily="18" charset="0"/>
-                <a:cs typeface="Times New Roman" panose="02020603050405020304" pitchFamily="18" charset="0"/>
-              </a:rPr>
-              <a:t>Use high-quality targets (clear contrast, detail)</a:t>
-            </a:r>
-          </a:p>
-          <a:p>
-            <a:r>
-              <a:rPr dirty="0">
-                <a:latin typeface="Times New Roman" panose="02020603050405020304" pitchFamily="18" charset="0"/>
-                <a:cs typeface="Times New Roman" panose="02020603050405020304" pitchFamily="18" charset="0"/>
-              </a:rPr>
-              <a:t>Optimize model geometry for Model Targets</a:t>
-            </a:r>
-          </a:p>
-          <a:p>
-            <a:r>
-              <a:rPr dirty="0">
-                <a:latin typeface="Times New Roman" panose="02020603050405020304" pitchFamily="18" charset="0"/>
-                <a:cs typeface="Times New Roman" panose="02020603050405020304" pitchFamily="18" charset="0"/>
-              </a:rPr>
-              <a:t>Test on device frequently</a:t>
-            </a:r>
-          </a:p>
-          <a:p>
-            <a:r>
-              <a:rPr dirty="0">
-                <a:latin typeface="Times New Roman" panose="02020603050405020304" pitchFamily="18" charset="0"/>
-                <a:cs typeface="Times New Roman" panose="02020603050405020304" pitchFamily="18" charset="0"/>
-              </a:rPr>
-              <a:t>Avoid reflective surfaces in models</a:t>
+            <a:pPr marL="0" indent="0" algn="ctr">
+              <a:buNone/>
+            </a:pPr>
+            <a:r>
+              <a:rPr lang="en-US" sz="3000" b="1" dirty="0">
+                <a:latin typeface="Times New Roman" panose="02020603050405020304" pitchFamily="18" charset="0"/>
+                <a:cs typeface="Times New Roman" panose="02020603050405020304" pitchFamily="18" charset="0"/>
+              </a:rPr>
+              <a:t>Sample code review</a:t>
+            </a:r>
+          </a:p>
+          <a:p>
+            <a:pPr marL="0" indent="0" algn="ctr">
+              <a:buNone/>
+            </a:pPr>
+            <a:r>
+              <a:rPr lang="en-US" sz="3000" b="1" dirty="0">
+                <a:latin typeface="Times New Roman" panose="02020603050405020304" pitchFamily="18" charset="0"/>
+                <a:cs typeface="Times New Roman" panose="02020603050405020304" pitchFamily="18" charset="0"/>
+              </a:rPr>
+              <a:t>(30 mins)</a:t>
+            </a:r>
+            <a:endParaRPr lang="en-US" sz="3000" dirty="0">
+              <a:latin typeface="Times New Roman" panose="02020603050405020304" pitchFamily="18" charset="0"/>
+              <a:cs typeface="Times New Roman" panose="02020603050405020304" pitchFamily="18" charset="0"/>
+            </a:endParaRPr>
+          </a:p>
+        </p:txBody>
+      </p:sp>
+      <p:sp>
+        <p:nvSpPr>
+          <p:cNvPr id="5" name="TextBox 4">
+            <a:extLst>
+              <a:ext uri="{FF2B5EF4-FFF2-40B4-BE49-F238E27FC236}">
+                <a16:creationId xmlns:a16="http://schemas.microsoft.com/office/drawing/2014/main" id="{D146D7AF-82F1-1241-98C8-00667DBC351C}"/>
+              </a:ext>
+            </a:extLst>
+          </p:cNvPr>
+          <p:cNvSpPr txBox="1"/>
+          <p:nvPr/>
+        </p:nvSpPr>
+        <p:spPr>
+          <a:xfrm>
+            <a:off x="5674799" y="364129"/>
+            <a:ext cx="3469201" cy="1200329"/>
+          </a:xfrm>
+          <a:prstGeom prst="rect">
+            <a:avLst/>
+          </a:prstGeom>
+          <a:noFill/>
+        </p:spPr>
+        <p:txBody>
+          <a:bodyPr wrap="square">
+            <a:spAutoFit/>
+          </a:bodyPr>
+          <a:lstStyle/>
+          <a:p>
+            <a:pPr marL="0" indent="0">
+              <a:buNone/>
+            </a:pPr>
+            <a:r>
+              <a:rPr lang="en-US" sz="1800" b="1" dirty="0">
+                <a:latin typeface="Times New Roman" panose="02020603050405020304" pitchFamily="18" charset="0"/>
+                <a:cs typeface="Times New Roman" panose="02020603050405020304" pitchFamily="18" charset="0"/>
+              </a:rPr>
+              <a:t>Target Object:</a:t>
+            </a:r>
+            <a:r>
+              <a:rPr lang="en-US" sz="1800" dirty="0">
+                <a:latin typeface="Times New Roman" panose="02020603050405020304" pitchFamily="18" charset="0"/>
+                <a:cs typeface="Times New Roman" panose="02020603050405020304" pitchFamily="18" charset="0"/>
+              </a:rPr>
+              <a:t> Air Compressor</a:t>
+            </a:r>
+          </a:p>
+          <a:p>
+            <a:pPr marL="0" indent="0">
+              <a:buNone/>
+            </a:pPr>
+            <a:r>
+              <a:rPr lang="en-US" sz="1800" b="1" dirty="0">
+                <a:latin typeface="Times New Roman" panose="02020603050405020304" pitchFamily="18" charset="0"/>
+                <a:cs typeface="Times New Roman" panose="02020603050405020304" pitchFamily="18" charset="0"/>
+              </a:rPr>
+              <a:t>AR Engine:</a:t>
+            </a:r>
+            <a:r>
+              <a:rPr lang="en-US" sz="1800" dirty="0">
+                <a:latin typeface="Times New Roman" panose="02020603050405020304" pitchFamily="18" charset="0"/>
+                <a:cs typeface="Times New Roman" panose="02020603050405020304" pitchFamily="18" charset="0"/>
+              </a:rPr>
+              <a:t> Vuforia</a:t>
+            </a:r>
+          </a:p>
+          <a:p>
+            <a:pPr marL="0" indent="0">
+              <a:buNone/>
+            </a:pPr>
+            <a:r>
+              <a:rPr lang="en-US" sz="1800" b="1" dirty="0">
+                <a:latin typeface="Times New Roman" panose="02020603050405020304" pitchFamily="18" charset="0"/>
+                <a:cs typeface="Times New Roman" panose="02020603050405020304" pitchFamily="18" charset="0"/>
+              </a:rPr>
+              <a:t>Platform:</a:t>
+            </a:r>
+            <a:r>
+              <a:rPr lang="en-US" sz="1800" dirty="0">
+                <a:latin typeface="Times New Roman" panose="02020603050405020304" pitchFamily="18" charset="0"/>
+                <a:cs typeface="Times New Roman" panose="02020603050405020304" pitchFamily="18" charset="0"/>
+              </a:rPr>
+              <a:t> Unity 3D</a:t>
+            </a:r>
+          </a:p>
+          <a:p>
+            <a:pPr marL="0" indent="0">
+              <a:buNone/>
+            </a:pPr>
+            <a:r>
+              <a:rPr lang="en-US" sz="1800" b="1" dirty="0">
+                <a:latin typeface="Times New Roman" panose="02020603050405020304" pitchFamily="18" charset="0"/>
+                <a:cs typeface="Times New Roman" panose="02020603050405020304" pitchFamily="18" charset="0"/>
+              </a:rPr>
+              <a:t>AI Engine:</a:t>
+            </a:r>
+            <a:r>
+              <a:rPr lang="en-US" sz="1800" dirty="0">
+                <a:latin typeface="Times New Roman" panose="02020603050405020304" pitchFamily="18" charset="0"/>
+                <a:cs typeface="Times New Roman" panose="02020603050405020304" pitchFamily="18" charset="0"/>
+              </a:rPr>
+              <a:t> Meta AIVI</a:t>
             </a:r>
           </a:p>
         </p:txBody>
@@ -8791,7 +9102,7 @@
           <p:cNvPr id="4" name="Slide Number Placeholder 3">
             <a:extLst>
               <a:ext uri="{FF2B5EF4-FFF2-40B4-BE49-F238E27FC236}">
-                <a16:creationId xmlns:a16="http://schemas.microsoft.com/office/drawing/2014/main" id="{3634ED56-746B-3443-8745-EFB75ACDF380}"/>
+                <a16:creationId xmlns:a16="http://schemas.microsoft.com/office/drawing/2014/main" id="{E21B78B1-BF02-E943-B5DB-2C2162F812AE}"/>
               </a:ext>
             </a:extLst>
           </p:cNvPr>
@@ -8816,6 +9127,11 @@
         </p:txBody>
       </p:sp>
     </p:spTree>
+    <p:extLst>
+      <p:ext uri="{BB962C8B-B14F-4D97-AF65-F5344CB8AC3E}">
+        <p14:creationId xmlns:p14="http://schemas.microsoft.com/office/powerpoint/2010/main" val="1098156412"/>
+      </p:ext>
+    </p:extLst>
   </p:cSld>
   <p:clrMapOvr>
     <a:masterClrMapping/>
@@ -8860,7 +9176,7 @@
                 <a:latin typeface="Times New Roman" panose="02020603050405020304" pitchFamily="18" charset="0"/>
                 <a:cs typeface="Times New Roman" panose="02020603050405020304" pitchFamily="18" charset="0"/>
               </a:rPr>
-              <a:t>Resources</a:t>
+              <a:t>Tips &amp; Best Practices</a:t>
             </a:r>
           </a:p>
         </p:txBody>
@@ -8881,24 +9197,11 @@
           <a:lstStyle/>
           <a:p>
             <a:r>
-              <a:rPr dirty="0" err="1">
-                <a:latin typeface="Times New Roman" panose="02020603050405020304" pitchFamily="18" charset="0"/>
-                <a:cs typeface="Times New Roman" panose="02020603050405020304" pitchFamily="18" charset="0"/>
-              </a:rPr>
-              <a:t>developer.vuforia.com</a:t>
-            </a:r>
-            <a:endParaRPr dirty="0">
-              <a:latin typeface="Times New Roman" panose="02020603050405020304" pitchFamily="18" charset="0"/>
-              <a:cs typeface="Times New Roman" panose="02020603050405020304" pitchFamily="18" charset="0"/>
-            </a:endParaRPr>
-          </a:p>
-          <a:p>
-            <a:r>
               <a:rPr dirty="0">
                 <a:latin typeface="Times New Roman" panose="02020603050405020304" pitchFamily="18" charset="0"/>
                 <a:cs typeface="Times New Roman" panose="02020603050405020304" pitchFamily="18" charset="0"/>
               </a:rPr>
-              <a:t>Unity Documentation</a:t>
+              <a:t>Use high-quality targets (clear contrast, detail)</a:t>
             </a:r>
           </a:p>
           <a:p>
@@ -8907,7 +9210,7 @@
                 <a:latin typeface="Times New Roman" panose="02020603050405020304" pitchFamily="18" charset="0"/>
                 <a:cs typeface="Times New Roman" panose="02020603050405020304" pitchFamily="18" charset="0"/>
               </a:rPr>
-              <a:t>Vuforia Forums</a:t>
+              <a:t>Optimize model geometry for Model Targets</a:t>
             </a:r>
           </a:p>
           <a:p>
@@ -8916,7 +9219,16 @@
                 <a:latin typeface="Times New Roman" panose="02020603050405020304" pitchFamily="18" charset="0"/>
                 <a:cs typeface="Times New Roman" panose="02020603050405020304" pitchFamily="18" charset="0"/>
               </a:rPr>
-              <a:t>Tutorials (YouTube, blogs)</a:t>
+              <a:t>Test on device frequently</a:t>
+            </a:r>
+          </a:p>
+          <a:p>
+            <a:r>
+              <a:rPr dirty="0">
+                <a:latin typeface="Times New Roman" panose="02020603050405020304" pitchFamily="18" charset="0"/>
+                <a:cs typeface="Times New Roman" panose="02020603050405020304" pitchFamily="18" charset="0"/>
+              </a:rPr>
+              <a:t>Avoid reflective surfaces in models</a:t>
             </a:r>
           </a:p>
         </p:txBody>
@@ -8926,7 +9238,7 @@
           <p:cNvPr id="4" name="Slide Number Placeholder 3">
             <a:extLst>
               <a:ext uri="{FF2B5EF4-FFF2-40B4-BE49-F238E27FC236}">
-                <a16:creationId xmlns:a16="http://schemas.microsoft.com/office/drawing/2014/main" id="{3B444432-B5B8-8E47-B89E-4B96867D0004}"/>
+                <a16:creationId xmlns:a16="http://schemas.microsoft.com/office/drawing/2014/main" id="{3634ED56-746B-3443-8745-EFB75ACDF380}"/>
               </a:ext>
             </a:extLst>
           </p:cNvPr>
@@ -8991,6 +9303,141 @@
           <a:lstStyle/>
           <a:p>
             <a:r>
+              <a:rPr>
+                <a:latin typeface="Times New Roman" panose="02020603050405020304" pitchFamily="18" charset="0"/>
+                <a:cs typeface="Times New Roman" panose="02020603050405020304" pitchFamily="18" charset="0"/>
+              </a:rPr>
+              <a:t>Resources</a:t>
+            </a:r>
+          </a:p>
+        </p:txBody>
+      </p:sp>
+      <p:sp>
+        <p:nvSpPr>
+          <p:cNvPr id="3" name="Content Placeholder 2"/>
+          <p:cNvSpPr>
+            <a:spLocks noGrp="1"/>
+          </p:cNvSpPr>
+          <p:nvPr>
+            <p:ph idx="1"/>
+          </p:nvPr>
+        </p:nvSpPr>
+        <p:spPr/>
+        <p:txBody>
+          <a:bodyPr/>
+          <a:lstStyle/>
+          <a:p>
+            <a:r>
+              <a:rPr dirty="0" err="1">
+                <a:latin typeface="Times New Roman" panose="02020603050405020304" pitchFamily="18" charset="0"/>
+                <a:cs typeface="Times New Roman" panose="02020603050405020304" pitchFamily="18" charset="0"/>
+              </a:rPr>
+              <a:t>developer.vuforia.com</a:t>
+            </a:r>
+            <a:endParaRPr dirty="0">
+              <a:latin typeface="Times New Roman" panose="02020603050405020304" pitchFamily="18" charset="0"/>
+              <a:cs typeface="Times New Roman" panose="02020603050405020304" pitchFamily="18" charset="0"/>
+            </a:endParaRPr>
+          </a:p>
+          <a:p>
+            <a:r>
+              <a:rPr dirty="0">
+                <a:latin typeface="Times New Roman" panose="02020603050405020304" pitchFamily="18" charset="0"/>
+                <a:cs typeface="Times New Roman" panose="02020603050405020304" pitchFamily="18" charset="0"/>
+              </a:rPr>
+              <a:t>Unity Documentation</a:t>
+            </a:r>
+          </a:p>
+          <a:p>
+            <a:r>
+              <a:rPr dirty="0">
+                <a:latin typeface="Times New Roman" panose="02020603050405020304" pitchFamily="18" charset="0"/>
+                <a:cs typeface="Times New Roman" panose="02020603050405020304" pitchFamily="18" charset="0"/>
+              </a:rPr>
+              <a:t>Vuforia Forums</a:t>
+            </a:r>
+          </a:p>
+          <a:p>
+            <a:r>
+              <a:rPr dirty="0">
+                <a:latin typeface="Times New Roman" panose="02020603050405020304" pitchFamily="18" charset="0"/>
+                <a:cs typeface="Times New Roman" panose="02020603050405020304" pitchFamily="18" charset="0"/>
+              </a:rPr>
+              <a:t>Tutorials (YouTube, blogs)</a:t>
+            </a:r>
+          </a:p>
+        </p:txBody>
+      </p:sp>
+      <p:sp>
+        <p:nvSpPr>
+          <p:cNvPr id="4" name="Slide Number Placeholder 3">
+            <a:extLst>
+              <a:ext uri="{FF2B5EF4-FFF2-40B4-BE49-F238E27FC236}">
+                <a16:creationId xmlns:a16="http://schemas.microsoft.com/office/drawing/2014/main" id="{3B444432-B5B8-8E47-B89E-4B96867D0004}"/>
+              </a:ext>
+            </a:extLst>
+          </p:cNvPr>
+          <p:cNvSpPr>
+            <a:spLocks noGrp="1"/>
+          </p:cNvSpPr>
+          <p:nvPr>
+            <p:ph type="sldNum" sz="quarter" idx="12"/>
+          </p:nvPr>
+        </p:nvSpPr>
+        <p:spPr/>
+        <p:txBody>
+          <a:bodyPr/>
+          <a:lstStyle/>
+          <a:p>
+            <a:fld id="{C1FF6DA9-008F-8B48-92A6-B652298478BF}" type="slidenum">
+              <a:rPr lang="en-US" smtClean="0"/>
+              <a:t>13</a:t>
+            </a:fld>
+            <a:endParaRPr lang="en-US"/>
+          </a:p>
+        </p:txBody>
+      </p:sp>
+    </p:spTree>
+  </p:cSld>
+  <p:clrMapOvr>
+    <a:masterClrMapping/>
+  </p:clrMapOvr>
+</p:sld>
+</file>
+
+<file path=ppt/slides/slide14.xml><?xml version="1.0" encoding="utf-8"?>
+<p:sld xmlns:a="http://schemas.openxmlformats.org/drawingml/2006/main" xmlns:r="http://schemas.openxmlformats.org/officeDocument/2006/relationships" xmlns:p="http://schemas.openxmlformats.org/presentationml/2006/main">
+  <p:cSld>
+    <p:spTree>
+      <p:nvGrpSpPr>
+        <p:cNvPr id="1" name=""/>
+        <p:cNvGrpSpPr/>
+        <p:nvPr/>
+      </p:nvGrpSpPr>
+      <p:grpSpPr>
+        <a:xfrm>
+          <a:off x="0" y="0"/>
+          <a:ext cx="0" cy="0"/>
+          <a:chOff x="0" y="0"/>
+          <a:chExt cx="0" cy="0"/>
+        </a:xfrm>
+      </p:grpSpPr>
+      <p:sp>
+        <p:nvSpPr>
+          <p:cNvPr id="2" name="Title 1"/>
+          <p:cNvSpPr>
+            <a:spLocks noGrp="1"/>
+          </p:cNvSpPr>
+          <p:nvPr>
+            <p:ph type="title"/>
+          </p:nvPr>
+        </p:nvSpPr>
+        <p:spPr/>
+        <p:txBody>
+          <a:bodyPr/>
+          <a:lstStyle/>
+          <a:p>
+            <a:r>
               <a:rPr dirty="0">
                 <a:latin typeface="Times New Roman" panose="02020603050405020304" pitchFamily="18" charset="0"/>
                 <a:cs typeface="Times New Roman" panose="02020603050405020304" pitchFamily="18" charset="0"/>
@@ -9051,7 +9498,7 @@
           <a:p>
             <a:fld id="{C1FF6DA9-008F-8B48-92A6-B652298478BF}" type="slidenum">
               <a:rPr lang="en-US" smtClean="0"/>
-              <a:t>13</a:t>
+              <a:t>14</a:t>
             </a:fld>
             <a:endParaRPr lang="en-US"/>
           </a:p>
@@ -10366,22 +10813,17 @@
             <p:ph type="title"/>
           </p:nvPr>
         </p:nvSpPr>
-        <p:spPr>
-          <a:xfrm>
-            <a:off x="1509773" y="622299"/>
-            <a:ext cx="6589199" cy="1280890"/>
-          </a:xfrm>
-        </p:spPr>
+        <p:spPr/>
         <p:txBody>
           <a:bodyPr/>
           <a:lstStyle/>
           <a:p>
             <a:r>
-              <a:rPr lang="en-US" dirty="0">
-                <a:latin typeface="Times New Roman" panose="02020603050405020304" pitchFamily="18" charset="0"/>
-                <a:cs typeface="Times New Roman" panose="02020603050405020304" pitchFamily="18" charset="0"/>
-              </a:rPr>
-              <a:t>Practice Topic</a:t>
+              <a:rPr lang="vi-VN" dirty="0">
+                <a:latin typeface="Times New Roman" panose="02020603050405020304" pitchFamily="18" charset="0"/>
+                <a:cs typeface="Times New Roman" panose="02020603050405020304" pitchFamily="18" charset="0"/>
+              </a:rPr>
+              <a:t>META-AIVI API intergration</a:t>
             </a:r>
             <a:endParaRPr dirty="0">
               <a:latin typeface="Times New Roman" panose="02020603050405020304" pitchFamily="18" charset="0"/>
@@ -10392,263 +10834,75 @@
       </p:sp>
       <p:sp>
         <p:nvSpPr>
-          <p:cNvPr id="3" name="Content Placeholder 2"/>
-          <p:cNvSpPr>
-            <a:spLocks noGrp="1"/>
-          </p:cNvSpPr>
-          <p:nvPr>
-            <p:ph idx="1"/>
-          </p:nvPr>
-        </p:nvSpPr>
+          <p:cNvPr id="4" name="Slide Number Placeholder 3">
+            <a:extLst>
+              <a:ext uri="{FF2B5EF4-FFF2-40B4-BE49-F238E27FC236}">
+                <a16:creationId xmlns:a16="http://schemas.microsoft.com/office/drawing/2014/main" id="{B7AF23FF-9EA5-C644-A687-1C07FF8D3F92}"/>
+              </a:ext>
+            </a:extLst>
+          </p:cNvPr>
+          <p:cNvSpPr>
+            <a:spLocks noGrp="1"/>
+          </p:cNvSpPr>
+          <p:nvPr>
+            <p:ph type="sldNum" sz="quarter" idx="12"/>
+          </p:nvPr>
+        </p:nvSpPr>
+        <p:spPr/>
+        <p:txBody>
+          <a:bodyPr/>
+          <a:lstStyle/>
+          <a:p>
+            <a:fld id="{C1FF6DA9-008F-8B48-92A6-B652298478BF}" type="slidenum">
+              <a:rPr lang="en-US" smtClean="0"/>
+              <a:t>9</a:t>
+            </a:fld>
+            <a:endParaRPr lang="en-US"/>
+          </a:p>
+        </p:txBody>
+      </p:sp>
+      <p:pic>
+        <p:nvPicPr>
+          <p:cNvPr id="8" name="Picture 7">
+            <a:extLst>
+              <a:ext uri="{FF2B5EF4-FFF2-40B4-BE49-F238E27FC236}">
+                <a16:creationId xmlns:a16="http://schemas.microsoft.com/office/drawing/2014/main" id="{973BDC51-DE9E-0E48-9FCB-29DBB5081EF4}"/>
+              </a:ext>
+            </a:extLst>
+          </p:cNvPr>
+          <p:cNvPicPr>
+            <a:picLocks noChangeAspect="1"/>
+          </p:cNvPicPr>
+          <p:nvPr/>
+        </p:nvPicPr>
+        <p:blipFill>
+          <a:blip r:embed="rId2"/>
+          <a:stretch>
+            <a:fillRect/>
+          </a:stretch>
+        </p:blipFill>
         <p:spPr>
           <a:xfrm>
-            <a:off x="1070142" y="1306288"/>
-            <a:ext cx="6128657" cy="5203370"/>
+            <a:off x="5070463" y="1264556"/>
+            <a:ext cx="4367083" cy="4831444"/>
           </a:xfrm>
+          <a:prstGeom prst="rect">
+            <a:avLst/>
+          </a:prstGeom>
+          <a:ln>
+            <a:noFill/>
+          </a:ln>
+          <a:effectLst>
+            <a:softEdge rad="112500"/>
+          </a:effectLst>
         </p:spPr>
-        <p:txBody>
-          <a:bodyPr>
-            <a:noAutofit/>
-          </a:bodyPr>
-          <a:lstStyle/>
-          <a:p>
-            <a:pPr marL="0" indent="0">
-              <a:buNone/>
-            </a:pPr>
-            <a:r>
-              <a:rPr lang="en-US" sz="1600" b="1" dirty="0">
-                <a:latin typeface="Times New Roman" panose="02020603050405020304" pitchFamily="18" charset="0"/>
-                <a:cs typeface="Times New Roman" panose="02020603050405020304" pitchFamily="18" charset="0"/>
-              </a:rPr>
-              <a:t>Requirements &amp; Setup</a:t>
-            </a:r>
-            <a:endParaRPr lang="en-US" sz="1600" dirty="0">
-              <a:latin typeface="Times New Roman" panose="02020603050405020304" pitchFamily="18" charset="0"/>
-              <a:cs typeface="Times New Roman" panose="02020603050405020304" pitchFamily="18" charset="0"/>
-            </a:endParaRPr>
-          </a:p>
-          <a:p>
-            <a:pPr marL="0" indent="0">
-              <a:buNone/>
-            </a:pPr>
-            <a:r>
-              <a:rPr lang="en-US" sz="1600" b="1" dirty="0">
-                <a:latin typeface="Times New Roman" panose="02020603050405020304" pitchFamily="18" charset="0"/>
-                <a:cs typeface="Times New Roman" panose="02020603050405020304" pitchFamily="18" charset="0"/>
-              </a:rPr>
-              <a:t>1. Vuforia</a:t>
-            </a:r>
-          </a:p>
-          <a:p>
-            <a:r>
-              <a:rPr lang="en-US" sz="1600" dirty="0">
-                <a:latin typeface="Times New Roman" panose="02020603050405020304" pitchFamily="18" charset="0"/>
-                <a:cs typeface="Times New Roman" panose="02020603050405020304" pitchFamily="18" charset="0"/>
-              </a:rPr>
-              <a:t>Obtain a Vuforia license key.</a:t>
-            </a:r>
-          </a:p>
-          <a:p>
-            <a:r>
-              <a:rPr lang="en-US" sz="1600" dirty="0">
-                <a:latin typeface="Times New Roman" panose="02020603050405020304" pitchFamily="18" charset="0"/>
-                <a:cs typeface="Times New Roman" panose="02020603050405020304" pitchFamily="18" charset="0"/>
-              </a:rPr>
-              <a:t>Prepare a 3D model of the air compressor.</a:t>
-            </a:r>
-          </a:p>
-          <a:p>
-            <a:r>
-              <a:rPr lang="en-US" sz="1600" dirty="0">
-                <a:latin typeface="Times New Roman" panose="02020603050405020304" pitchFamily="18" charset="0"/>
-                <a:cs typeface="Times New Roman" panose="02020603050405020304" pitchFamily="18" charset="0"/>
-              </a:rPr>
-              <a:t>Use </a:t>
-            </a:r>
-            <a:r>
-              <a:rPr lang="en-US" sz="1600" b="1" dirty="0">
-                <a:latin typeface="Times New Roman" panose="02020603050405020304" pitchFamily="18" charset="0"/>
-                <a:cs typeface="Times New Roman" panose="02020603050405020304" pitchFamily="18" charset="0"/>
-              </a:rPr>
-              <a:t>Vuforia Model Target Generator</a:t>
-            </a:r>
-            <a:r>
-              <a:rPr lang="en-US" sz="1600" dirty="0">
-                <a:latin typeface="Times New Roman" panose="02020603050405020304" pitchFamily="18" charset="0"/>
-                <a:cs typeface="Times New Roman" panose="02020603050405020304" pitchFamily="18" charset="0"/>
-              </a:rPr>
-              <a:t> or </a:t>
-            </a:r>
-            <a:r>
-              <a:rPr lang="en-US" sz="1600" b="1" dirty="0" err="1">
-                <a:latin typeface="Times New Roman" panose="02020603050405020304" pitchFamily="18" charset="0"/>
-                <a:cs typeface="Times New Roman" panose="02020603050405020304" pitchFamily="18" charset="0"/>
-              </a:rPr>
-              <a:t>Polycam</a:t>
-            </a:r>
-            <a:r>
-              <a:rPr lang="en-US" sz="1600" dirty="0">
-                <a:latin typeface="Times New Roman" panose="02020603050405020304" pitchFamily="18" charset="0"/>
-                <a:cs typeface="Times New Roman" panose="02020603050405020304" pitchFamily="18" charset="0"/>
-              </a:rPr>
-              <a:t> for scanning.</a:t>
-            </a:r>
-          </a:p>
-          <a:p>
-            <a:pPr marL="0" indent="0">
-              <a:buNone/>
-            </a:pPr>
-            <a:r>
-              <a:rPr lang="en-US" sz="1600" b="1" dirty="0">
-                <a:latin typeface="Times New Roman" panose="02020603050405020304" pitchFamily="18" charset="0"/>
-                <a:cs typeface="Times New Roman" panose="02020603050405020304" pitchFamily="18" charset="0"/>
-              </a:rPr>
-              <a:t>2. Meta AIVI</a:t>
-            </a:r>
-          </a:p>
-          <a:p>
-            <a:r>
-              <a:rPr lang="en-US" sz="1600" dirty="0">
-                <a:latin typeface="Times New Roman" panose="02020603050405020304" pitchFamily="18" charset="0"/>
-                <a:cs typeface="Times New Roman" panose="02020603050405020304" pitchFamily="18" charset="0"/>
-              </a:rPr>
-              <a:t>Set up a project on the Meta AIVI server.</a:t>
-            </a:r>
-          </a:p>
-          <a:p>
-            <a:r>
-              <a:rPr lang="en-US" sz="1600" dirty="0">
-                <a:latin typeface="Times New Roman" panose="02020603050405020304" pitchFamily="18" charset="0"/>
-                <a:cs typeface="Times New Roman" panose="02020603050405020304" pitchFamily="18" charset="0"/>
-              </a:rPr>
-              <a:t>Train or configure the AI model for the air compressor.</a:t>
-            </a:r>
-          </a:p>
-          <a:p>
-            <a:pPr marL="0" indent="0">
-              <a:buNone/>
-            </a:pPr>
-            <a:r>
-              <a:rPr lang="en-US" sz="1600" dirty="0">
-                <a:latin typeface="Times New Roman" panose="02020603050405020304" pitchFamily="18" charset="0"/>
-                <a:cs typeface="Times New Roman" panose="02020603050405020304" pitchFamily="18" charset="0"/>
-              </a:rPr>
-              <a:t>3. </a:t>
-            </a:r>
-            <a:r>
-              <a:rPr lang="en-US" sz="1600" b="1" dirty="0">
-                <a:latin typeface="Times New Roman" panose="02020603050405020304" pitchFamily="18" charset="0"/>
-                <a:cs typeface="Times New Roman" panose="02020603050405020304" pitchFamily="18" charset="0"/>
-              </a:rPr>
-              <a:t>Unity (with Vuforia Integration)</a:t>
-            </a:r>
-          </a:p>
-          <a:p>
-            <a:r>
-              <a:rPr lang="en-US" sz="1600" dirty="0">
-                <a:latin typeface="Times New Roman" panose="02020603050405020304" pitchFamily="18" charset="0"/>
-                <a:cs typeface="Times New Roman" panose="02020603050405020304" pitchFamily="18" charset="0"/>
-              </a:rPr>
-              <a:t>Import and configure the 3D model as a Model Target.</a:t>
-            </a:r>
-          </a:p>
-          <a:p>
-            <a:r>
-              <a:rPr lang="en-US" sz="1600" dirty="0">
-                <a:latin typeface="Times New Roman" panose="02020603050405020304" pitchFamily="18" charset="0"/>
-                <a:cs typeface="Times New Roman" panose="02020603050405020304" pitchFamily="18" charset="0"/>
-              </a:rPr>
-              <a:t>Set up the </a:t>
-            </a:r>
-            <a:r>
-              <a:rPr lang="en-US" sz="1600" b="1" dirty="0" err="1">
-                <a:latin typeface="Times New Roman" panose="02020603050405020304" pitchFamily="18" charset="0"/>
-                <a:cs typeface="Times New Roman" panose="02020603050405020304" pitchFamily="18" charset="0"/>
-              </a:rPr>
-              <a:t>ARCamera</a:t>
-            </a:r>
-            <a:r>
-              <a:rPr lang="en-US" sz="1600" dirty="0">
-                <a:latin typeface="Times New Roman" panose="02020603050405020304" pitchFamily="18" charset="0"/>
-                <a:cs typeface="Times New Roman" panose="02020603050405020304" pitchFamily="18" charset="0"/>
-              </a:rPr>
-              <a:t> and place virtual content over the 3D model.</a:t>
-            </a:r>
-          </a:p>
-          <a:p>
-            <a:r>
-              <a:rPr lang="en-US" sz="1600" dirty="0">
-                <a:latin typeface="Times New Roman" panose="02020603050405020304" pitchFamily="18" charset="0"/>
-                <a:cs typeface="Times New Roman" panose="02020603050405020304" pitchFamily="18" charset="0"/>
-              </a:rPr>
-              <a:t>Access the </a:t>
-            </a:r>
-            <a:r>
-              <a:rPr lang="en-US" sz="1600" b="1" dirty="0">
-                <a:latin typeface="Times New Roman" panose="02020603050405020304" pitchFamily="18" charset="0"/>
-                <a:cs typeface="Times New Roman" panose="02020603050405020304" pitchFamily="18" charset="0"/>
-              </a:rPr>
-              <a:t>camera feed</a:t>
-            </a:r>
-            <a:r>
-              <a:rPr lang="en-US" sz="1600" dirty="0">
-                <a:latin typeface="Times New Roman" panose="02020603050405020304" pitchFamily="18" charset="0"/>
-                <a:cs typeface="Times New Roman" panose="02020603050405020304" pitchFamily="18" charset="0"/>
-              </a:rPr>
-              <a:t> in Unity.</a:t>
-            </a:r>
-          </a:p>
-          <a:p>
-            <a:r>
-              <a:rPr lang="en-US" sz="1600" dirty="0">
-                <a:latin typeface="Times New Roman" panose="02020603050405020304" pitchFamily="18" charset="0"/>
-                <a:cs typeface="Times New Roman" panose="02020603050405020304" pitchFamily="18" charset="0"/>
-              </a:rPr>
-              <a:t>Send the image/frame to Meta AIVI for </a:t>
-            </a:r>
-            <a:r>
-              <a:rPr lang="en-US" sz="1600" b="1" dirty="0">
-                <a:latin typeface="Times New Roman" panose="02020603050405020304" pitchFamily="18" charset="0"/>
-                <a:cs typeface="Times New Roman" panose="02020603050405020304" pitchFamily="18" charset="0"/>
-              </a:rPr>
-              <a:t>inference.</a:t>
-            </a:r>
-            <a:endParaRPr lang="en-US" sz="1600" dirty="0">
-              <a:latin typeface="Times New Roman" panose="02020603050405020304" pitchFamily="18" charset="0"/>
-              <a:cs typeface="Times New Roman" panose="02020603050405020304" pitchFamily="18" charset="0"/>
-            </a:endParaRPr>
-          </a:p>
-          <a:p>
-            <a:r>
-              <a:rPr lang="en-US" sz="1600" dirty="0">
-                <a:latin typeface="Times New Roman" panose="02020603050405020304" pitchFamily="18" charset="0"/>
-                <a:cs typeface="Times New Roman" panose="02020603050405020304" pitchFamily="18" charset="0"/>
-              </a:rPr>
-              <a:t>Receive and </a:t>
-            </a:r>
-            <a:r>
-              <a:rPr lang="en-US" sz="1600" b="1" dirty="0">
-                <a:latin typeface="Times New Roman" panose="02020603050405020304" pitchFamily="18" charset="0"/>
-                <a:cs typeface="Times New Roman" panose="02020603050405020304" pitchFamily="18" charset="0"/>
-              </a:rPr>
-              <a:t>display AI results</a:t>
-            </a:r>
-            <a:r>
-              <a:rPr lang="en-US" sz="1600" dirty="0">
-                <a:latin typeface="Times New Roman" panose="02020603050405020304" pitchFamily="18" charset="0"/>
-                <a:cs typeface="Times New Roman" panose="02020603050405020304" pitchFamily="18" charset="0"/>
-              </a:rPr>
-              <a:t> (e.g., diagnostics, labels, instructions).</a:t>
-            </a:r>
-          </a:p>
-        </p:txBody>
-      </p:sp>
-      <p:sp>
-        <p:nvSpPr>
-          <p:cNvPr id="5" name="TextBox 4">
+      </p:pic>
+      <p:sp>
+        <p:nvSpPr>
+          <p:cNvPr id="10" name="TextBox 9">
             <a:extLst>
               <a:ext uri="{FF2B5EF4-FFF2-40B4-BE49-F238E27FC236}">
-                <a16:creationId xmlns:a16="http://schemas.microsoft.com/office/drawing/2014/main" id="{D146D7AF-82F1-1241-98C8-00667DBC351C}"/>
+                <a16:creationId xmlns:a16="http://schemas.microsoft.com/office/drawing/2014/main" id="{014B60A4-0377-654D-9222-E71FCD06A7CD}"/>
               </a:ext>
             </a:extLst>
           </p:cNvPr>
@@ -10657,13 +10911,16 @@
         </p:nvSpPr>
         <p:spPr>
           <a:xfrm>
-            <a:off x="5674799" y="364129"/>
-            <a:ext cx="3469201" cy="1200329"/>
+            <a:off x="359228" y="1264555"/>
+            <a:ext cx="5192486" cy="5509200"/>
           </a:xfrm>
           <a:prstGeom prst="rect">
             <a:avLst/>
           </a:prstGeom>
-          <a:noFill/>
+          <a:blipFill>
+            <a:blip r:embed="rId3"/>
+            <a:tile tx="0" ty="0" sx="100000" sy="100000" flip="none" algn="tl"/>
+          </a:blipFill>
         </p:spPr>
         <p:txBody>
           <a:bodyPr wrap="square">
@@ -10671,113 +10928,299 @@
           </a:bodyPr>
           <a:lstStyle/>
           <a:p>
-            <a:pPr marL="0" indent="0">
-              <a:buNone/>
+            <a:pPr algn="l"/>
+            <a:r>
+              <a:rPr lang="en-US" sz="1600" b="0" i="0" dirty="0">
+                <a:solidFill>
+                  <a:srgbClr val="333333"/>
+                </a:solidFill>
+                <a:effectLst/>
+                <a:latin typeface="Times New Roman" panose="02020603050405020304" pitchFamily="18" charset="0"/>
+                <a:cs typeface="Times New Roman" panose="02020603050405020304" pitchFamily="18" charset="0"/>
+              </a:rPr>
+              <a:t>There are a total of four major steps.</a:t>
+            </a:r>
+          </a:p>
+          <a:p>
+            <a:pPr algn="l">
+              <a:buFont typeface="+mj-lt"/>
+              <a:buAutoNum type="arabicPeriod"/>
             </a:pPr>
             <a:r>
-              <a:rPr lang="en-US" sz="1800" b="1" dirty="0">
-                <a:latin typeface="Times New Roman" panose="02020603050405020304" pitchFamily="18" charset="0"/>
-                <a:cs typeface="Times New Roman" panose="02020603050405020304" pitchFamily="18" charset="0"/>
-              </a:rPr>
-              <a:t>Target Object:</a:t>
-            </a:r>
-            <a:r>
-              <a:rPr lang="en-US" sz="1800" dirty="0">
-                <a:latin typeface="Times New Roman" panose="02020603050405020304" pitchFamily="18" charset="0"/>
-                <a:cs typeface="Times New Roman" panose="02020603050405020304" pitchFamily="18" charset="0"/>
-              </a:rPr>
-              <a:t> Air Compressor</a:t>
-            </a:r>
-          </a:p>
-          <a:p>
-            <a:pPr marL="0" indent="0">
-              <a:buNone/>
+              <a:rPr lang="en-US" sz="1600" b="0" i="0" dirty="0" err="1">
+                <a:solidFill>
+                  <a:srgbClr val="333333"/>
+                </a:solidFill>
+                <a:effectLst/>
+                <a:latin typeface="Times New Roman" panose="02020603050405020304" pitchFamily="18" charset="0"/>
+                <a:cs typeface="Times New Roman" panose="02020603050405020304" pitchFamily="18" charset="0"/>
+              </a:rPr>
+              <a:t>GetProjectList</a:t>
+            </a:r>
+            <a:r>
+              <a:rPr lang="en-US" sz="1600" b="0" i="0" dirty="0">
+                <a:solidFill>
+                  <a:srgbClr val="333333"/>
+                </a:solidFill>
+                <a:effectLst/>
+                <a:latin typeface="Times New Roman" panose="02020603050405020304" pitchFamily="18" charset="0"/>
+                <a:cs typeface="Times New Roman" panose="02020603050405020304" pitchFamily="18" charset="0"/>
+              </a:rPr>
+              <a:t> ➤ Retrieve all project IDs and their corresponding names from the server.</a:t>
+            </a:r>
+          </a:p>
+          <a:p>
+            <a:pPr algn="l">
+              <a:buFont typeface="+mj-lt"/>
+              <a:buAutoNum type="arabicPeriod"/>
             </a:pPr>
-            <a:r>
-              <a:rPr lang="en-US" sz="1800" b="1" dirty="0">
-                <a:latin typeface="Times New Roman" panose="02020603050405020304" pitchFamily="18" charset="0"/>
-                <a:cs typeface="Times New Roman" panose="02020603050405020304" pitchFamily="18" charset="0"/>
-              </a:rPr>
-              <a:t>AR Engine:</a:t>
-            </a:r>
-            <a:r>
-              <a:rPr lang="en-US" sz="1800" dirty="0">
-                <a:latin typeface="Times New Roman" panose="02020603050405020304" pitchFamily="18" charset="0"/>
-                <a:cs typeface="Times New Roman" panose="02020603050405020304" pitchFamily="18" charset="0"/>
-              </a:rPr>
-              <a:t> Vuforia</a:t>
-            </a:r>
-          </a:p>
-          <a:p>
-            <a:pPr marL="0" indent="0">
-              <a:buNone/>
+            <a:endParaRPr lang="en-US" sz="1600" b="0" i="0" dirty="0">
+              <a:solidFill>
+                <a:srgbClr val="333333"/>
+              </a:solidFill>
+              <a:effectLst/>
+              <a:latin typeface="Times New Roman" panose="02020603050405020304" pitchFamily="18" charset="0"/>
+              <a:cs typeface="Times New Roman" panose="02020603050405020304" pitchFamily="18" charset="0"/>
+            </a:endParaRPr>
+          </a:p>
+          <a:p>
+            <a:pPr algn="l">
+              <a:buFont typeface="+mj-lt"/>
+              <a:buAutoNum type="arabicPeriod"/>
             </a:pPr>
             <a:r>
-              <a:rPr lang="en-US" sz="1800" b="1" dirty="0">
-                <a:latin typeface="Times New Roman" panose="02020603050405020304" pitchFamily="18" charset="0"/>
-                <a:cs typeface="Times New Roman" panose="02020603050405020304" pitchFamily="18" charset="0"/>
-              </a:rPr>
-              <a:t>Platform:</a:t>
-            </a:r>
-            <a:r>
-              <a:rPr lang="en-US" sz="1800" dirty="0">
-                <a:latin typeface="Times New Roman" panose="02020603050405020304" pitchFamily="18" charset="0"/>
-                <a:cs typeface="Times New Roman" panose="02020603050405020304" pitchFamily="18" charset="0"/>
-              </a:rPr>
-              <a:t> Unity 3D</a:t>
-            </a:r>
-          </a:p>
-          <a:p>
-            <a:pPr marL="0" indent="0">
-              <a:buNone/>
+              <a:rPr lang="en-US" sz="1600" b="0" i="0" dirty="0" err="1">
+                <a:solidFill>
+                  <a:srgbClr val="333333"/>
+                </a:solidFill>
+                <a:effectLst/>
+                <a:latin typeface="Times New Roman" panose="02020603050405020304" pitchFamily="18" charset="0"/>
+                <a:cs typeface="Times New Roman" panose="02020603050405020304" pitchFamily="18" charset="0"/>
+              </a:rPr>
+              <a:t>GetSingleProject</a:t>
+            </a:r>
+            <a:r>
+              <a:rPr lang="en-US" sz="1600" b="0" i="0" dirty="0">
+                <a:solidFill>
+                  <a:srgbClr val="333333"/>
+                </a:solidFill>
+                <a:effectLst/>
+                <a:latin typeface="Times New Roman" panose="02020603050405020304" pitchFamily="18" charset="0"/>
+                <a:cs typeface="Times New Roman" panose="02020603050405020304" pitchFamily="18" charset="0"/>
+              </a:rPr>
+              <a:t> ➤ Based on the </a:t>
+            </a:r>
+            <a:r>
+              <a:rPr lang="en-US" sz="1600" b="0" i="0" dirty="0" err="1">
+                <a:solidFill>
+                  <a:srgbClr val="333333"/>
+                </a:solidFill>
+                <a:effectLst/>
+                <a:latin typeface="Times New Roman" panose="02020603050405020304" pitchFamily="18" charset="0"/>
+                <a:cs typeface="Times New Roman" panose="02020603050405020304" pitchFamily="18" charset="0"/>
+              </a:rPr>
+              <a:t>project_id</a:t>
+            </a:r>
+            <a:r>
+              <a:rPr lang="en-US" sz="1600" b="0" i="0" dirty="0">
+                <a:solidFill>
+                  <a:srgbClr val="333333"/>
+                </a:solidFill>
+                <a:effectLst/>
+                <a:latin typeface="Times New Roman" panose="02020603050405020304" pitchFamily="18" charset="0"/>
+                <a:cs typeface="Times New Roman" panose="02020603050405020304" pitchFamily="18" charset="0"/>
+              </a:rPr>
+              <a:t> of the domain name, retrieve information about each level inside.</a:t>
+            </a:r>
+          </a:p>
+          <a:p>
+            <a:pPr algn="l">
+              <a:buFont typeface="+mj-lt"/>
+              <a:buAutoNum type="arabicPeriod"/>
             </a:pPr>
-            <a:r>
-              <a:rPr lang="en-US" sz="1800" b="1" dirty="0">
-                <a:latin typeface="Times New Roman" panose="02020603050405020304" pitchFamily="18" charset="0"/>
-                <a:cs typeface="Times New Roman" panose="02020603050405020304" pitchFamily="18" charset="0"/>
-              </a:rPr>
-              <a:t>AI Engine:</a:t>
-            </a:r>
-            <a:r>
-              <a:rPr lang="en-US" sz="1800" dirty="0">
-                <a:latin typeface="Times New Roman" panose="02020603050405020304" pitchFamily="18" charset="0"/>
-                <a:cs typeface="Times New Roman" panose="02020603050405020304" pitchFamily="18" charset="0"/>
-              </a:rPr>
-              <a:t> Meta AIVI</a:t>
-            </a:r>
-          </a:p>
-        </p:txBody>
-      </p:sp>
-      <p:sp>
-        <p:nvSpPr>
-          <p:cNvPr id="4" name="Slide Number Placeholder 3">
-            <a:extLst>
-              <a:ext uri="{FF2B5EF4-FFF2-40B4-BE49-F238E27FC236}">
-                <a16:creationId xmlns:a16="http://schemas.microsoft.com/office/drawing/2014/main" id="{27649593-1762-DA47-8EA5-95AFB38231EC}"/>
-              </a:ext>
-            </a:extLst>
-          </p:cNvPr>
-          <p:cNvSpPr>
-            <a:spLocks noGrp="1"/>
-          </p:cNvSpPr>
-          <p:nvPr>
-            <p:ph type="sldNum" sz="quarter" idx="12"/>
-          </p:nvPr>
-        </p:nvSpPr>
-        <p:spPr/>
-        <p:txBody>
-          <a:bodyPr/>
-          <a:lstStyle/>
-          <a:p>
-            <a:fld id="{C1FF6DA9-008F-8B48-92A6-B652298478BF}" type="slidenum">
-              <a:rPr lang="en-US" smtClean="0"/>
-              <a:t>9</a:t>
-            </a:fld>
-            <a:endParaRPr lang="en-US"/>
+            <a:endParaRPr lang="en-US" sz="1600" b="0" i="0" dirty="0">
+              <a:solidFill>
+                <a:srgbClr val="333333"/>
+              </a:solidFill>
+              <a:effectLst/>
+              <a:latin typeface="Times New Roman" panose="02020603050405020304" pitchFamily="18" charset="0"/>
+              <a:cs typeface="Times New Roman" panose="02020603050405020304" pitchFamily="18" charset="0"/>
+            </a:endParaRPr>
+          </a:p>
+          <a:p>
+            <a:pPr algn="l">
+              <a:buFont typeface="+mj-lt"/>
+              <a:buAutoNum type="arabicPeriod"/>
+            </a:pPr>
+            <a:r>
+              <a:rPr lang="en-US" sz="1600" b="0" i="0" dirty="0">
+                <a:solidFill>
+                  <a:srgbClr val="333333"/>
+                </a:solidFill>
+                <a:effectLst/>
+                <a:latin typeface="Times New Roman" panose="02020603050405020304" pitchFamily="18" charset="0"/>
+                <a:cs typeface="Times New Roman" panose="02020603050405020304" pitchFamily="18" charset="0"/>
+              </a:rPr>
+              <a:t>Register Jobs ➤ Enter the user-defined username, as well as the project-ID, </a:t>
+            </a:r>
+            <a:r>
+              <a:rPr lang="en-US" sz="1600" b="0" i="0" dirty="0" err="1">
+                <a:solidFill>
+                  <a:srgbClr val="333333"/>
+                </a:solidFill>
+                <a:effectLst/>
+                <a:latin typeface="Times New Roman" panose="02020603050405020304" pitchFamily="18" charset="0"/>
+                <a:cs typeface="Times New Roman" panose="02020603050405020304" pitchFamily="18" charset="0"/>
+              </a:rPr>
+              <a:t>model_id</a:t>
+            </a:r>
+            <a:r>
+              <a:rPr lang="en-US" sz="1600" b="0" i="0" dirty="0">
+                <a:solidFill>
+                  <a:srgbClr val="333333"/>
+                </a:solidFill>
+                <a:effectLst/>
+                <a:latin typeface="Times New Roman" panose="02020603050405020304" pitchFamily="18" charset="0"/>
+                <a:cs typeface="Times New Roman" panose="02020603050405020304" pitchFamily="18" charset="0"/>
+              </a:rPr>
+              <a:t>, and </a:t>
+            </a:r>
+            <a:r>
+              <a:rPr lang="en-US" sz="1600" b="0" i="0" dirty="0" err="1">
+                <a:solidFill>
+                  <a:srgbClr val="333333"/>
+                </a:solidFill>
+                <a:effectLst/>
+                <a:latin typeface="Times New Roman" panose="02020603050405020304" pitchFamily="18" charset="0"/>
+                <a:cs typeface="Times New Roman" panose="02020603050405020304" pitchFamily="18" charset="0"/>
+              </a:rPr>
+              <a:t>state_id</a:t>
+            </a:r>
+            <a:r>
+              <a:rPr lang="en-US" sz="1600" b="0" i="0" dirty="0">
+                <a:solidFill>
+                  <a:srgbClr val="333333"/>
+                </a:solidFill>
+                <a:effectLst/>
+                <a:latin typeface="Times New Roman" panose="02020603050405020304" pitchFamily="18" charset="0"/>
+                <a:cs typeface="Times New Roman" panose="02020603050405020304" pitchFamily="18" charset="0"/>
+              </a:rPr>
+              <a:t> corresponding to </a:t>
+            </a:r>
+            <a:r>
+              <a:rPr lang="en-US" sz="1600" b="0" i="0" dirty="0" err="1">
+                <a:solidFill>
+                  <a:srgbClr val="333333"/>
+                </a:solidFill>
+                <a:effectLst/>
+                <a:latin typeface="Times New Roman" panose="02020603050405020304" pitchFamily="18" charset="0"/>
+                <a:cs typeface="Times New Roman" panose="02020603050405020304" pitchFamily="18" charset="0"/>
+              </a:rPr>
+              <a:t>GetSingleProject</a:t>
+            </a:r>
+            <a:r>
+              <a:rPr lang="en-US" sz="1600" b="0" i="0" dirty="0">
+                <a:solidFill>
+                  <a:srgbClr val="333333"/>
+                </a:solidFill>
+                <a:effectLst/>
+                <a:latin typeface="Times New Roman" panose="02020603050405020304" pitchFamily="18" charset="0"/>
+                <a:cs typeface="Times New Roman" panose="02020603050405020304" pitchFamily="18" charset="0"/>
+              </a:rPr>
+              <a:t>. Then, the server will return a job-id. Note that a job must be registered each time a new state (level) is entered.</a:t>
+            </a:r>
+          </a:p>
+          <a:p>
+            <a:pPr algn="l">
+              <a:buFont typeface="+mj-lt"/>
+              <a:buAutoNum type="arabicPeriod"/>
+            </a:pPr>
+            <a:r>
+              <a:rPr lang="en-US" sz="1600" b="0" i="0" dirty="0">
+                <a:solidFill>
+                  <a:srgbClr val="333333"/>
+                </a:solidFill>
+                <a:effectLst/>
+                <a:latin typeface="Times New Roman" panose="02020603050405020304" pitchFamily="18" charset="0"/>
+                <a:cs typeface="Times New Roman" panose="02020603050405020304" pitchFamily="18" charset="0"/>
+              </a:rPr>
+              <a:t>Inference ➤ Enter the state-Id, </a:t>
+            </a:r>
+            <a:r>
+              <a:rPr lang="en-US" sz="1600" b="0" i="0" dirty="0" err="1">
+                <a:solidFill>
+                  <a:srgbClr val="333333"/>
+                </a:solidFill>
+                <a:effectLst/>
+                <a:latin typeface="Times New Roman" panose="02020603050405020304" pitchFamily="18" charset="0"/>
+                <a:cs typeface="Times New Roman" panose="02020603050405020304" pitchFamily="18" charset="0"/>
+              </a:rPr>
+              <a:t>model_id</a:t>
+            </a:r>
+            <a:r>
+              <a:rPr lang="en-US" sz="1600" b="0" i="0" dirty="0">
+                <a:solidFill>
+                  <a:srgbClr val="333333"/>
+                </a:solidFill>
+                <a:effectLst/>
+                <a:latin typeface="Times New Roman" panose="02020603050405020304" pitchFamily="18" charset="0"/>
+                <a:cs typeface="Times New Roman" panose="02020603050405020304" pitchFamily="18" charset="0"/>
+              </a:rPr>
+              <a:t>, tool name obtained from </a:t>
+            </a:r>
+            <a:r>
+              <a:rPr lang="en-US" sz="1600" b="0" i="0" dirty="0" err="1">
+                <a:solidFill>
+                  <a:srgbClr val="333333"/>
+                </a:solidFill>
+                <a:effectLst/>
+                <a:latin typeface="Times New Roman" panose="02020603050405020304" pitchFamily="18" charset="0"/>
+                <a:cs typeface="Times New Roman" panose="02020603050405020304" pitchFamily="18" charset="0"/>
+              </a:rPr>
+              <a:t>GetSingleProject</a:t>
+            </a:r>
+            <a:r>
+              <a:rPr lang="en-US" sz="1600" b="0" i="0" dirty="0">
+                <a:solidFill>
+                  <a:srgbClr val="333333"/>
+                </a:solidFill>
+                <a:effectLst/>
+                <a:latin typeface="Times New Roman" panose="02020603050405020304" pitchFamily="18" charset="0"/>
+                <a:cs typeface="Times New Roman" panose="02020603050405020304" pitchFamily="18" charset="0"/>
+              </a:rPr>
+              <a:t>, and the job-id obtained through the </a:t>
+            </a:r>
+            <a:r>
+              <a:rPr lang="en-US" sz="1600" b="0" i="0" dirty="0" err="1">
+                <a:solidFill>
+                  <a:srgbClr val="333333"/>
+                </a:solidFill>
+                <a:effectLst/>
+                <a:latin typeface="Times New Roman" panose="02020603050405020304" pitchFamily="18" charset="0"/>
+                <a:cs typeface="Times New Roman" panose="02020603050405020304" pitchFamily="18" charset="0"/>
+              </a:rPr>
+              <a:t>RegisterJobs</a:t>
+            </a:r>
+            <a:r>
+              <a:rPr lang="en-US" sz="1600" b="0" i="0" dirty="0">
+                <a:solidFill>
+                  <a:srgbClr val="333333"/>
+                </a:solidFill>
+                <a:effectLst/>
+                <a:latin typeface="Times New Roman" panose="02020603050405020304" pitchFamily="18" charset="0"/>
+                <a:cs typeface="Times New Roman" panose="02020603050405020304" pitchFamily="18" charset="0"/>
+              </a:rPr>
+              <a:t> API. Afterward, you can use the Inference API to obtain detection results. In the returned result, please refer to the "rule" key inside the "data" section. It will record whether the state can be passed. The server will calculate, and if an object is detected continuously for five times, it will judge as True and allow to proceed to the next level (i.e., return True). If there is any interruption in between, it will return False.</a:t>
+            </a:r>
           </a:p>
         </p:txBody>
       </p:sp>
     </p:spTree>
+    <p:extLst>
+      <p:ext uri="{BB962C8B-B14F-4D97-AF65-F5344CB8AC3E}">
+        <p14:creationId xmlns:p14="http://schemas.microsoft.com/office/powerpoint/2010/main" val="4261826527"/>
+      </p:ext>
+    </p:extLst>
   </p:cSld>
   <p:clrMapOvr>
     <a:masterClrMapping/>
